--- a/NCKH.pptx
+++ b/NCKH.pptx
@@ -5,7 +5,7 @@
     <p:sldMasterId id="2147483660" r:id="rId4"/>
   </p:sldMasterIdLst>
   <p:notesMasterIdLst>
-    <p:notesMasterId r:id="rId26"/>
+    <p:notesMasterId r:id="rId27"/>
   </p:notesMasterIdLst>
   <p:sldIdLst>
     <p:sldId id="299" r:id="rId5"/>
@@ -29,6 +29,7 @@
     <p:sldId id="321" r:id="rId23"/>
     <p:sldId id="322" r:id="rId24"/>
     <p:sldId id="287" r:id="rId25"/>
+    <p:sldId id="323" r:id="rId26"/>
   </p:sldIdLst>
   <p:sldSz cx="12192000" cy="6858000"/>
   <p:notesSz cx="6858000" cy="9144000"/>
@@ -1787,24 +1788,12 @@
             </a:pPr>
             <a:r>
               <a:rPr lang="en-US" sz="1200" dirty="0">
-                <a:latin typeface="Times New Roman" panose="02020603050405020304" pitchFamily="18" charset="0"/>
-                <a:cs typeface="Times New Roman" panose="02020603050405020304" pitchFamily="18" charset="0"/>
-              </a:rPr>
-              <a:t>Plate detection is based on key-points detection to solve non-rectangular objects by modifying a semantic segmentation architecture called </a:t>
-            </a:r>
-            <a:r>
-              <a:rPr lang="en-US" sz="1200" dirty="0" err="1">
-                <a:latin typeface="Times New Roman" panose="02020603050405020304" pitchFamily="18" charset="0"/>
-                <a:cs typeface="Times New Roman" panose="02020603050405020304" pitchFamily="18" charset="0"/>
-              </a:rPr>
-              <a:t>DDRNet</a:t>
-            </a:r>
-            <a:r>
-              <a:rPr lang="en-US" sz="1200" dirty="0">
-                <a:latin typeface="Times New Roman" panose="02020603050405020304" pitchFamily="18" charset="0"/>
-                <a:cs typeface="Times New Roman" panose="02020603050405020304" pitchFamily="18" charset="0"/>
-              </a:rPr>
-              <a:t>.</a:t>
+                <a:effectLst/>
+                <a:latin typeface="Times New Roman" panose="02020603050405020304" pitchFamily="18" charset="0"/>
+                <a:ea typeface="Calibri" panose="020F0502020204030204" pitchFamily="34" charset="0"/>
+                <a:cs typeface="Times New Roman" panose="02020603050405020304" pitchFamily="18" charset="0"/>
+              </a:rPr>
+              <a:t>Modification 1: Adding up-convolution and skip connections.</a:t>
             </a:r>
           </a:p>
           <a:p>
@@ -1820,37 +1809,13 @@
             </a:pPr>
             <a:r>
               <a:rPr lang="en-US" sz="1200" dirty="0">
-                <a:latin typeface="Times New Roman" panose="02020603050405020304" pitchFamily="18" charset="0"/>
-                <a:cs typeface="Times New Roman" panose="02020603050405020304" pitchFamily="18" charset="0"/>
-              </a:rPr>
-              <a:t>Our system identifies plate based on segmentation free approach integrated with Attention mechanism. Feature extraction part is designed based on VGG-19 [5] in in more fine-grained level.</a:t>
-            </a:r>
-          </a:p>
-          <a:p>
-            <a:pPr marL="457200" indent="-457200" algn="just">
-              <a:lnSpc>
-                <a:spcPct val="150000"/>
-              </a:lnSpc>
-              <a:spcAft>
-                <a:spcPts val="800"/>
-              </a:spcAft>
-              <a:buFont typeface="+mj-lt"/>
-              <a:buAutoNum type="arabicPeriod"/>
-            </a:pPr>
-            <a:r>
-              <a:rPr lang="en-US" sz="1200" dirty="0">
+                <a:effectLst/>
                 <a:latin typeface="Times New Roman" panose="02020603050405020304" pitchFamily="18" charset="0"/>
                 <a:ea typeface="Calibri" panose="020F0502020204030204" pitchFamily="34" charset="0"/>
                 <a:cs typeface="Times New Roman" panose="02020603050405020304" pitchFamily="18" charset="0"/>
               </a:rPr>
-              <a:t>We build the MTAVLP dataset that includes 15571 photos of vehicles containing license plates and 16012 photos of Vietnamese license plates. This dataset is large and various in image capturing conditions.</a:t>
-            </a:r>
-            <a:endParaRPr lang="en-US" sz="1200" dirty="0">
-              <a:effectLst/>
-              <a:latin typeface="Times New Roman" panose="02020603050405020304" pitchFamily="18" charset="0"/>
-              <a:ea typeface="Calibri" panose="020F0502020204030204" pitchFamily="34" charset="0"/>
-              <a:cs typeface="Times New Roman" panose="02020603050405020304" pitchFamily="18" charset="0"/>
-            </a:endParaRPr>
+              <a:t>Modification 2: Up-scale feature resolution and add skip connections.</a:t>
+            </a:r>
           </a:p>
         </p:txBody>
       </p:sp>
@@ -3836,7 +3801,7 @@
           </a:lstStyle>
           <a:p>
             <a:r>
-              <a:rPr lang="en-US"/>
+              <a:rPr lang="en-US" dirty="0"/>
               <a:t>Click to edit Master title style</a:t>
             </a:r>
           </a:p>
@@ -4399,15 +4364,33 @@
             <a:spLocks noGrp="1"/>
           </p:cNvSpPr>
           <p:nvPr>
-            <p:ph type="title"/>
-          </p:nvPr>
-        </p:nvSpPr>
-        <p:spPr/>
-        <p:txBody>
-          <a:bodyPr/>
+            <p:ph type="title" hasCustomPrompt="1"/>
+          </p:nvPr>
+        </p:nvSpPr>
+        <p:spPr>
+          <a:xfrm>
+            <a:off x="1063752" y="1326245"/>
+            <a:ext cx="10058400" cy="436053"/>
+          </a:xfrm>
+        </p:spPr>
+        <p:txBody>
+          <a:bodyPr>
+            <a:noAutofit/>
+          </a:bodyPr>
           <a:lstStyle>
             <a:lvl1pPr>
-              <a:defRPr>
+              <a:defRPr sz="2000" b="0" cap="none" spc="0">
+                <a:ln w="0"/>
+                <a:solidFill>
+                  <a:schemeClr val="tx1"/>
+                </a:solidFill>
+                <a:effectLst>
+                  <a:outerShdw blurRad="38100" dist="19050" dir="2700000" algn="tl" rotWithShape="0">
+                    <a:schemeClr val="dk1">
+                      <a:alpha val="40000"/>
+                    </a:schemeClr>
+                  </a:outerShdw>
+                </a:effectLst>
                 <a:latin typeface="Times New Roman" panose="02020603050405020304" pitchFamily="18" charset="0"/>
                 <a:cs typeface="Times New Roman" panose="02020603050405020304" pitchFamily="18" charset="0"/>
               </a:defRPr>
@@ -4415,8 +4398,8 @@
           </a:lstStyle>
           <a:p>
             <a:r>
-              <a:rPr lang="en-US"/>
-              <a:t>Click to edit Master title style</a:t>
+              <a:rPr lang="en-US" dirty="0"/>
+              <a:t>HEADER</a:t>
             </a:r>
           </a:p>
         </p:txBody>
@@ -4431,35 +4414,50 @@
             <p:ph idx="1"/>
           </p:nvPr>
         </p:nvSpPr>
-        <p:spPr/>
+        <p:spPr>
+          <a:xfrm>
+            <a:off x="1069848" y="1762298"/>
+            <a:ext cx="10058400" cy="4409902"/>
+          </a:xfrm>
+        </p:spPr>
         <p:txBody>
           <a:bodyPr/>
           <a:lstStyle>
-            <a:lvl1pPr>
+            <a:lvl1pPr marL="182880" indent="-182880">
+              <a:buFont typeface="Arial" panose="020B0604020202020204" pitchFamily="34" charset="0"/>
+              <a:buChar char="•"/>
               <a:defRPr>
                 <a:latin typeface="Times New Roman" panose="02020603050405020304" pitchFamily="18" charset="0"/>
                 <a:cs typeface="Times New Roman" panose="02020603050405020304" pitchFamily="18" charset="0"/>
               </a:defRPr>
             </a:lvl1pPr>
-            <a:lvl2pPr>
+            <a:lvl2pPr marL="457200" indent="-182880">
+              <a:buFont typeface="Arial" panose="020B0604020202020204" pitchFamily="34" charset="0"/>
+              <a:buChar char="•"/>
               <a:defRPr>
                 <a:latin typeface="Times New Roman" panose="02020603050405020304" pitchFamily="18" charset="0"/>
                 <a:cs typeface="Times New Roman" panose="02020603050405020304" pitchFamily="18" charset="0"/>
               </a:defRPr>
             </a:lvl2pPr>
-            <a:lvl3pPr>
+            <a:lvl3pPr marL="731520" indent="-182880">
+              <a:buFont typeface="Arial" panose="020B0604020202020204" pitchFamily="34" charset="0"/>
+              <a:buChar char="•"/>
               <a:defRPr>
                 <a:latin typeface="Times New Roman" panose="02020603050405020304" pitchFamily="18" charset="0"/>
                 <a:cs typeface="Times New Roman" panose="02020603050405020304" pitchFamily="18" charset="0"/>
               </a:defRPr>
             </a:lvl3pPr>
-            <a:lvl4pPr>
+            <a:lvl4pPr marL="1005840" indent="-182880">
+              <a:buFont typeface="Arial" panose="020B0604020202020204" pitchFamily="34" charset="0"/>
+              <a:buChar char="•"/>
               <a:defRPr>
                 <a:latin typeface="Times New Roman" panose="02020603050405020304" pitchFamily="18" charset="0"/>
                 <a:cs typeface="Times New Roman" panose="02020603050405020304" pitchFamily="18" charset="0"/>
               </a:defRPr>
             </a:lvl4pPr>
-            <a:lvl5pPr>
+            <a:lvl5pPr marL="1280160" indent="-182880">
+              <a:buFont typeface="Arial" panose="020B0604020202020204" pitchFamily="34" charset="0"/>
+              <a:buChar char="•"/>
               <a:defRPr>
                 <a:latin typeface="Times New Roman" panose="02020603050405020304" pitchFamily="18" charset="0"/>
                 <a:cs typeface="Times New Roman" panose="02020603050405020304" pitchFamily="18" charset="0"/>
@@ -4469,35 +4467,35 @@
           <a:p>
             <a:pPr lvl="0"/>
             <a:r>
-              <a:rPr lang="en-US"/>
+              <a:rPr lang="en-US" dirty="0"/>
               <a:t>Click to edit Master text styles</a:t>
             </a:r>
           </a:p>
           <a:p>
             <a:pPr lvl="1"/>
             <a:r>
-              <a:rPr lang="en-US"/>
+              <a:rPr lang="en-US" dirty="0"/>
               <a:t>Second level</a:t>
             </a:r>
           </a:p>
           <a:p>
             <a:pPr lvl="2"/>
             <a:r>
-              <a:rPr lang="en-US"/>
+              <a:rPr lang="en-US" dirty="0"/>
               <a:t>Third level</a:t>
             </a:r>
           </a:p>
           <a:p>
             <a:pPr lvl="3"/>
             <a:r>
-              <a:rPr lang="en-US"/>
+              <a:rPr lang="en-US" dirty="0"/>
               <a:t>Fourth level</a:t>
             </a:r>
           </a:p>
           <a:p>
             <a:pPr lvl="4"/>
             <a:r>
-              <a:rPr lang="en-US"/>
+              <a:rPr lang="en-US" dirty="0"/>
               <a:t>Fifth level</a:t>
             </a:r>
           </a:p>
@@ -4505,57 +4503,20 @@
       </p:sp>
       <p:sp>
         <p:nvSpPr>
-          <p:cNvPr id="4" name="Date Placeholder 3"/>
+          <p:cNvPr id="6" name="Slide Number Placeholder 5"/>
           <p:cNvSpPr>
             <a:spLocks noGrp="1"/>
           </p:cNvSpPr>
           <p:nvPr>
-            <p:ph type="dt" sz="half" idx="10"/>
-          </p:nvPr>
-        </p:nvSpPr>
-        <p:spPr/>
-        <p:txBody>
-          <a:bodyPr/>
-          <a:lstStyle/>
-          <a:p>
-            <a:fld id="{10452D92-1400-45BF-9A6A-92828B6512F6}" type="datetime1">
-              <a:rPr lang="en-US" smtClean="0"/>
-              <a:t>10/4/2021</a:t>
-            </a:fld>
-            <a:endParaRPr lang="en-US"/>
-          </a:p>
-        </p:txBody>
-      </p:sp>
-      <p:sp>
-        <p:nvSpPr>
-          <p:cNvPr id="5" name="Footer Placeholder 4"/>
-          <p:cNvSpPr>
-            <a:spLocks noGrp="1"/>
-          </p:cNvSpPr>
-          <p:nvPr>
-            <p:ph type="ftr" sz="quarter" idx="11"/>
-          </p:nvPr>
-        </p:nvSpPr>
-        <p:spPr/>
-        <p:txBody>
-          <a:bodyPr/>
-          <a:lstStyle/>
-          <a:p>
-            <a:endParaRPr lang="en-US"/>
-          </a:p>
-        </p:txBody>
-      </p:sp>
-      <p:sp>
-        <p:nvSpPr>
-          <p:cNvPr id="6" name="Slide Number Placeholder 5"/>
-          <p:cNvSpPr>
-            <a:spLocks noGrp="1"/>
-          </p:cNvSpPr>
-          <p:nvPr>
             <p:ph type="sldNum" sz="quarter" idx="12"/>
           </p:nvPr>
         </p:nvSpPr>
-        <p:spPr/>
+        <p:spPr>
+          <a:xfrm>
+            <a:off x="11311128" y="6272784"/>
+            <a:ext cx="640080" cy="365125"/>
+          </a:xfrm>
+        </p:spPr>
         <p:txBody>
           <a:bodyPr/>
           <a:lstStyle/>
@@ -4564,7 +4525,489 @@
               <a:rPr lang="en-US" smtClean="0"/>
               <a:t>‹#›</a:t>
             </a:fld>
-            <a:endParaRPr lang="en-US"/>
+            <a:endParaRPr lang="en-US" dirty="0"/>
+          </a:p>
+        </p:txBody>
+      </p:sp>
+      <p:sp>
+        <p:nvSpPr>
+          <p:cNvPr id="9" name="Title 1">
+            <a:extLst>
+              <a:ext uri="{FF2B5EF4-FFF2-40B4-BE49-F238E27FC236}">
+                <a16:creationId xmlns:a16="http://schemas.microsoft.com/office/drawing/2014/main" id="{8D5AD502-BCDA-479D-A6C7-37E78BE1FB42}"/>
+              </a:ext>
+            </a:extLst>
+          </p:cNvPr>
+          <p:cNvSpPr txBox="1">
+            <a:spLocks/>
+          </p:cNvSpPr>
+          <p:nvPr userDrawn="1"/>
+        </p:nvSpPr>
+        <p:spPr>
+          <a:xfrm>
+            <a:off x="0" y="0"/>
+            <a:ext cx="5495636" cy="540327"/>
+          </a:xfrm>
+          <a:prstGeom prst="rect">
+            <a:avLst/>
+          </a:prstGeom>
+          <a:solidFill>
+            <a:srgbClr val="A30000"/>
+          </a:solidFill>
+          <a:ln>
+            <a:solidFill>
+              <a:schemeClr val="accent4">
+                <a:lumMod val="60000"/>
+                <a:lumOff val="40000"/>
+              </a:schemeClr>
+            </a:solidFill>
+          </a:ln>
+        </p:spPr>
+        <p:txBody>
+          <a:bodyPr vert="horz" lIns="91440" tIns="45720" rIns="91440" bIns="45720" rtlCol="0" anchor="ctr">
+            <a:noAutofit/>
+          </a:bodyPr>
+          <a:lstStyle>
+            <a:lvl1pPr algn="l" defTabSz="914400" rtl="0" eaLnBrk="1" latinLnBrk="0" hangingPunct="1">
+              <a:lnSpc>
+                <a:spcPct val="90000"/>
+              </a:lnSpc>
+              <a:spcBef>
+                <a:spcPct val="0"/>
+              </a:spcBef>
+              <a:buNone/>
+              <a:defRPr sz="2000" b="0" kern="1200" cap="none" spc="0" baseline="0">
+                <a:ln w="0"/>
+                <a:solidFill>
+                  <a:schemeClr val="tx1"/>
+                </a:solidFill>
+                <a:effectLst>
+                  <a:outerShdw blurRad="38100" dist="19050" dir="2700000" algn="tl" rotWithShape="0">
+                    <a:schemeClr val="dk1">
+                      <a:alpha val="40000"/>
+                    </a:schemeClr>
+                  </a:outerShdw>
+                </a:effectLst>
+                <a:latin typeface="Times New Roman" panose="02020603050405020304" pitchFamily="18" charset="0"/>
+                <a:ea typeface="+mj-ea"/>
+                <a:cs typeface="Times New Roman" panose="02020603050405020304" pitchFamily="18" charset="0"/>
+              </a:defRPr>
+            </a:lvl1pPr>
+          </a:lstStyle>
+          <a:p>
+            <a:r>
+              <a:rPr lang="en-US" sz="3200" dirty="0">
+                <a:solidFill>
+                  <a:schemeClr val="bg1"/>
+                </a:solidFill>
+              </a:rPr>
+              <a:t>SECTION</a:t>
+            </a:r>
+          </a:p>
+        </p:txBody>
+      </p:sp>
+      <p:sp>
+        <p:nvSpPr>
+          <p:cNvPr id="10" name="Title 1">
+            <a:extLst>
+              <a:ext uri="{FF2B5EF4-FFF2-40B4-BE49-F238E27FC236}">
+                <a16:creationId xmlns:a16="http://schemas.microsoft.com/office/drawing/2014/main" id="{9669F7E7-4F26-4549-ADB1-353AF088A1DF}"/>
+              </a:ext>
+            </a:extLst>
+          </p:cNvPr>
+          <p:cNvSpPr txBox="1">
+            <a:spLocks/>
+          </p:cNvSpPr>
+          <p:nvPr userDrawn="1"/>
+        </p:nvSpPr>
+        <p:spPr>
+          <a:xfrm>
+            <a:off x="5495636" y="-1"/>
+            <a:ext cx="6693316" cy="540327"/>
+          </a:xfrm>
+          <a:prstGeom prst="rect">
+            <a:avLst/>
+          </a:prstGeom>
+          <a:solidFill>
+            <a:srgbClr val="D9D9D9"/>
+          </a:solidFill>
+          <a:ln>
+            <a:solidFill>
+              <a:schemeClr val="accent4">
+                <a:lumMod val="60000"/>
+                <a:lumOff val="40000"/>
+              </a:schemeClr>
+            </a:solidFill>
+          </a:ln>
+        </p:spPr>
+        <p:txBody>
+          <a:bodyPr vert="horz" lIns="91440" tIns="45720" rIns="91440" bIns="45720" rtlCol="0" anchor="ctr">
+            <a:noAutofit/>
+          </a:bodyPr>
+          <a:lstStyle>
+            <a:lvl1pPr algn="l" defTabSz="914400" rtl="0" eaLnBrk="1" latinLnBrk="0" hangingPunct="1">
+              <a:lnSpc>
+                <a:spcPct val="90000"/>
+              </a:lnSpc>
+              <a:spcBef>
+                <a:spcPct val="0"/>
+              </a:spcBef>
+              <a:buNone/>
+              <a:defRPr sz="2000" b="0" kern="1200" cap="none" spc="0" baseline="0">
+                <a:ln w="0"/>
+                <a:solidFill>
+                  <a:schemeClr val="tx1"/>
+                </a:solidFill>
+                <a:effectLst>
+                  <a:outerShdw blurRad="38100" dist="19050" dir="2700000" algn="tl" rotWithShape="0">
+                    <a:schemeClr val="dk1">
+                      <a:alpha val="40000"/>
+                    </a:schemeClr>
+                  </a:outerShdw>
+                </a:effectLst>
+                <a:latin typeface="Times New Roman" panose="02020603050405020304" pitchFamily="18" charset="0"/>
+                <a:ea typeface="+mj-ea"/>
+                <a:cs typeface="Times New Roman" panose="02020603050405020304" pitchFamily="18" charset="0"/>
+              </a:defRPr>
+            </a:lvl1pPr>
+          </a:lstStyle>
+          <a:p>
+            <a:r>
+              <a:rPr lang="en-US" sz="3200" dirty="0">
+                <a:solidFill>
+                  <a:schemeClr val="tx1"/>
+                </a:solidFill>
+              </a:rPr>
+              <a:t>Subsection</a:t>
+            </a:r>
+          </a:p>
+        </p:txBody>
+      </p:sp>
+      <p:sp>
+        <p:nvSpPr>
+          <p:cNvPr id="13" name="Date Placeholder 4">
+            <a:extLst>
+              <a:ext uri="{FF2B5EF4-FFF2-40B4-BE49-F238E27FC236}">
+                <a16:creationId xmlns:a16="http://schemas.microsoft.com/office/drawing/2014/main" id="{A1E7D540-82D5-4B2E-A2B4-418A971CACB2}"/>
+              </a:ext>
+            </a:extLst>
+          </p:cNvPr>
+          <p:cNvSpPr>
+            <a:spLocks noGrp="1"/>
+          </p:cNvSpPr>
+          <p:nvPr>
+            <p:ph type="dt" sz="half" idx="10"/>
+          </p:nvPr>
+        </p:nvSpPr>
+        <p:spPr>
+          <a:xfrm>
+            <a:off x="7891271" y="6272783"/>
+            <a:ext cx="3419857" cy="365125"/>
+          </a:xfrm>
+          <a:solidFill>
+            <a:srgbClr val="D9D9D9"/>
+          </a:solidFill>
+          <a:ln>
+            <a:solidFill>
+              <a:schemeClr val="accent4">
+                <a:lumMod val="60000"/>
+                <a:lumOff val="40000"/>
+              </a:schemeClr>
+            </a:solidFill>
+          </a:ln>
+        </p:spPr>
+        <p:txBody>
+          <a:bodyPr/>
+          <a:lstStyle/>
+          <a:p>
+            <a:fld id="{F0FAC593-AC06-4DF2-97AC-BEA65FD225E6}" type="datetime1">
+              <a:rPr lang="en-US" smtClean="0"/>
+              <a:t>10/5/2021</a:t>
+            </a:fld>
+            <a:endParaRPr lang="en-US" dirty="0"/>
+          </a:p>
+        </p:txBody>
+      </p:sp>
+      <p:sp>
+        <p:nvSpPr>
+          <p:cNvPr id="15" name="Date Placeholder 4">
+            <a:extLst>
+              <a:ext uri="{FF2B5EF4-FFF2-40B4-BE49-F238E27FC236}">
+                <a16:creationId xmlns:a16="http://schemas.microsoft.com/office/drawing/2014/main" id="{0AFF519E-A670-4591-9D8D-6896D9D9E180}"/>
+              </a:ext>
+            </a:extLst>
+          </p:cNvPr>
+          <p:cNvSpPr txBox="1">
+            <a:spLocks/>
+          </p:cNvSpPr>
+          <p:nvPr userDrawn="1"/>
+        </p:nvSpPr>
+        <p:spPr>
+          <a:xfrm>
+            <a:off x="3796144" y="6272493"/>
+            <a:ext cx="4095127" cy="365126"/>
+          </a:xfrm>
+          <a:prstGeom prst="rect">
+            <a:avLst/>
+          </a:prstGeom>
+          <a:solidFill>
+            <a:srgbClr val="ECECEC"/>
+          </a:solidFill>
+          <a:ln>
+            <a:solidFill>
+              <a:schemeClr val="accent4">
+                <a:lumMod val="60000"/>
+                <a:lumOff val="40000"/>
+              </a:schemeClr>
+            </a:solidFill>
+          </a:ln>
+        </p:spPr>
+        <p:txBody>
+          <a:bodyPr vert="horz" lIns="91440" tIns="45720" rIns="91440" bIns="45720" rtlCol="0" anchor="ctr"/>
+          <a:lstStyle>
+            <a:defPPr>
+              <a:defRPr lang="en-US"/>
+            </a:defPPr>
+            <a:lvl1pPr marL="0" algn="r" defTabSz="457200" rtl="0" eaLnBrk="1" latinLnBrk="0" hangingPunct="1">
+              <a:defRPr sz="1100" kern="1200">
+                <a:solidFill>
+                  <a:schemeClr val="tx2"/>
+                </a:solidFill>
+                <a:latin typeface="+mn-lt"/>
+                <a:ea typeface="+mn-ea"/>
+                <a:cs typeface="+mn-cs"/>
+              </a:defRPr>
+            </a:lvl1pPr>
+            <a:lvl2pPr marL="457200" algn="l" defTabSz="457200" rtl="0" eaLnBrk="1" latinLnBrk="0" hangingPunct="1">
+              <a:defRPr sz="1800" kern="1200">
+                <a:solidFill>
+                  <a:schemeClr val="tx1"/>
+                </a:solidFill>
+                <a:latin typeface="+mn-lt"/>
+                <a:ea typeface="+mn-ea"/>
+                <a:cs typeface="+mn-cs"/>
+              </a:defRPr>
+            </a:lvl2pPr>
+            <a:lvl3pPr marL="914400" algn="l" defTabSz="457200" rtl="0" eaLnBrk="1" latinLnBrk="0" hangingPunct="1">
+              <a:defRPr sz="1800" kern="1200">
+                <a:solidFill>
+                  <a:schemeClr val="tx1"/>
+                </a:solidFill>
+                <a:latin typeface="+mn-lt"/>
+                <a:ea typeface="+mn-ea"/>
+                <a:cs typeface="+mn-cs"/>
+              </a:defRPr>
+            </a:lvl3pPr>
+            <a:lvl4pPr marL="1371600" algn="l" defTabSz="457200" rtl="0" eaLnBrk="1" latinLnBrk="0" hangingPunct="1">
+              <a:defRPr sz="1800" kern="1200">
+                <a:solidFill>
+                  <a:schemeClr val="tx1"/>
+                </a:solidFill>
+                <a:latin typeface="+mn-lt"/>
+                <a:ea typeface="+mn-ea"/>
+                <a:cs typeface="+mn-cs"/>
+              </a:defRPr>
+            </a:lvl4pPr>
+            <a:lvl5pPr marL="1828800" algn="l" defTabSz="457200" rtl="0" eaLnBrk="1" latinLnBrk="0" hangingPunct="1">
+              <a:defRPr sz="1800" kern="1200">
+                <a:solidFill>
+                  <a:schemeClr val="tx1"/>
+                </a:solidFill>
+                <a:latin typeface="+mn-lt"/>
+                <a:ea typeface="+mn-ea"/>
+                <a:cs typeface="+mn-cs"/>
+              </a:defRPr>
+            </a:lvl5pPr>
+            <a:lvl6pPr marL="2286000" algn="l" defTabSz="457200" rtl="0" eaLnBrk="1" latinLnBrk="0" hangingPunct="1">
+              <a:defRPr sz="1800" kern="1200">
+                <a:solidFill>
+                  <a:schemeClr val="tx1"/>
+                </a:solidFill>
+                <a:latin typeface="+mn-lt"/>
+                <a:ea typeface="+mn-ea"/>
+                <a:cs typeface="+mn-cs"/>
+              </a:defRPr>
+            </a:lvl6pPr>
+            <a:lvl7pPr marL="2743200" algn="l" defTabSz="457200" rtl="0" eaLnBrk="1" latinLnBrk="0" hangingPunct="1">
+              <a:defRPr sz="1800" kern="1200">
+                <a:solidFill>
+                  <a:schemeClr val="tx1"/>
+                </a:solidFill>
+                <a:latin typeface="+mn-lt"/>
+                <a:ea typeface="+mn-ea"/>
+                <a:cs typeface="+mn-cs"/>
+              </a:defRPr>
+            </a:lvl7pPr>
+            <a:lvl8pPr marL="3200400" algn="l" defTabSz="457200" rtl="0" eaLnBrk="1" latinLnBrk="0" hangingPunct="1">
+              <a:defRPr sz="1800" kern="1200">
+                <a:solidFill>
+                  <a:schemeClr val="tx1"/>
+                </a:solidFill>
+                <a:latin typeface="+mn-lt"/>
+                <a:ea typeface="+mn-ea"/>
+                <a:cs typeface="+mn-cs"/>
+              </a:defRPr>
+            </a:lvl8pPr>
+            <a:lvl9pPr marL="3657600" algn="l" defTabSz="457200" rtl="0" eaLnBrk="1" latinLnBrk="0" hangingPunct="1">
+              <a:defRPr sz="1800" kern="1200">
+                <a:solidFill>
+                  <a:schemeClr val="tx1"/>
+                </a:solidFill>
+                <a:latin typeface="+mn-lt"/>
+                <a:ea typeface="+mn-ea"/>
+                <a:cs typeface="+mn-cs"/>
+              </a:defRPr>
+            </a:lvl9pPr>
+          </a:lstStyle>
+          <a:p>
+            <a:fld id="{F0FAC593-AC06-4DF2-97AC-BEA65FD225E6}" type="datetime1">
+              <a:rPr lang="en-US" smtClean="0"/>
+              <a:pPr/>
+              <a:t>10/5/2021</a:t>
+            </a:fld>
+            <a:endParaRPr lang="en-US" dirty="0"/>
+          </a:p>
+        </p:txBody>
+      </p:sp>
+      <p:sp>
+        <p:nvSpPr>
+          <p:cNvPr id="16" name="Date Placeholder 4">
+            <a:extLst>
+              <a:ext uri="{FF2B5EF4-FFF2-40B4-BE49-F238E27FC236}">
+                <a16:creationId xmlns:a16="http://schemas.microsoft.com/office/drawing/2014/main" id="{7BD4592E-3CCE-4C07-8E4B-13FD170CBF8F}"/>
+              </a:ext>
+            </a:extLst>
+          </p:cNvPr>
+          <p:cNvSpPr txBox="1">
+            <a:spLocks/>
+          </p:cNvSpPr>
+          <p:nvPr userDrawn="1"/>
+        </p:nvSpPr>
+        <p:spPr>
+          <a:xfrm>
+            <a:off x="0" y="6272493"/>
+            <a:ext cx="3796144" cy="365125"/>
+          </a:xfrm>
+          <a:prstGeom prst="rect">
+            <a:avLst/>
+          </a:prstGeom>
+          <a:solidFill>
+            <a:srgbClr val="A30000"/>
+          </a:solidFill>
+          <a:ln>
+            <a:solidFill>
+              <a:schemeClr val="accent4">
+                <a:lumMod val="60000"/>
+                <a:lumOff val="40000"/>
+              </a:schemeClr>
+            </a:solidFill>
+          </a:ln>
+        </p:spPr>
+        <p:txBody>
+          <a:bodyPr vert="horz" lIns="91440" tIns="45720" rIns="91440" bIns="45720" rtlCol="0" anchor="ctr"/>
+          <a:lstStyle>
+            <a:defPPr>
+              <a:defRPr lang="en-US"/>
+            </a:defPPr>
+            <a:lvl1pPr marL="0" algn="r" defTabSz="457200" rtl="0" eaLnBrk="1" latinLnBrk="0" hangingPunct="1">
+              <a:defRPr sz="1100" kern="1200">
+                <a:solidFill>
+                  <a:schemeClr val="tx2"/>
+                </a:solidFill>
+                <a:latin typeface="+mn-lt"/>
+                <a:ea typeface="+mn-ea"/>
+                <a:cs typeface="+mn-cs"/>
+              </a:defRPr>
+            </a:lvl1pPr>
+            <a:lvl2pPr marL="457200" algn="l" defTabSz="457200" rtl="0" eaLnBrk="1" latinLnBrk="0" hangingPunct="1">
+              <a:defRPr sz="1800" kern="1200">
+                <a:solidFill>
+                  <a:schemeClr val="tx1"/>
+                </a:solidFill>
+                <a:latin typeface="+mn-lt"/>
+                <a:ea typeface="+mn-ea"/>
+                <a:cs typeface="+mn-cs"/>
+              </a:defRPr>
+            </a:lvl2pPr>
+            <a:lvl3pPr marL="914400" algn="l" defTabSz="457200" rtl="0" eaLnBrk="1" latinLnBrk="0" hangingPunct="1">
+              <a:defRPr sz="1800" kern="1200">
+                <a:solidFill>
+                  <a:schemeClr val="tx1"/>
+                </a:solidFill>
+                <a:latin typeface="+mn-lt"/>
+                <a:ea typeface="+mn-ea"/>
+                <a:cs typeface="+mn-cs"/>
+              </a:defRPr>
+            </a:lvl3pPr>
+            <a:lvl4pPr marL="1371600" algn="l" defTabSz="457200" rtl="0" eaLnBrk="1" latinLnBrk="0" hangingPunct="1">
+              <a:defRPr sz="1800" kern="1200">
+                <a:solidFill>
+                  <a:schemeClr val="tx1"/>
+                </a:solidFill>
+                <a:latin typeface="+mn-lt"/>
+                <a:ea typeface="+mn-ea"/>
+                <a:cs typeface="+mn-cs"/>
+              </a:defRPr>
+            </a:lvl4pPr>
+            <a:lvl5pPr marL="1828800" algn="l" defTabSz="457200" rtl="0" eaLnBrk="1" latinLnBrk="0" hangingPunct="1">
+              <a:defRPr sz="1800" kern="1200">
+                <a:solidFill>
+                  <a:schemeClr val="tx1"/>
+                </a:solidFill>
+                <a:latin typeface="+mn-lt"/>
+                <a:ea typeface="+mn-ea"/>
+                <a:cs typeface="+mn-cs"/>
+              </a:defRPr>
+            </a:lvl5pPr>
+            <a:lvl6pPr marL="2286000" algn="l" defTabSz="457200" rtl="0" eaLnBrk="1" latinLnBrk="0" hangingPunct="1">
+              <a:defRPr sz="1800" kern="1200">
+                <a:solidFill>
+                  <a:schemeClr val="tx1"/>
+                </a:solidFill>
+                <a:latin typeface="+mn-lt"/>
+                <a:ea typeface="+mn-ea"/>
+                <a:cs typeface="+mn-cs"/>
+              </a:defRPr>
+            </a:lvl6pPr>
+            <a:lvl7pPr marL="2743200" algn="l" defTabSz="457200" rtl="0" eaLnBrk="1" latinLnBrk="0" hangingPunct="1">
+              <a:defRPr sz="1800" kern="1200">
+                <a:solidFill>
+                  <a:schemeClr val="tx1"/>
+                </a:solidFill>
+                <a:latin typeface="+mn-lt"/>
+                <a:ea typeface="+mn-ea"/>
+                <a:cs typeface="+mn-cs"/>
+              </a:defRPr>
+            </a:lvl7pPr>
+            <a:lvl8pPr marL="3200400" algn="l" defTabSz="457200" rtl="0" eaLnBrk="1" latinLnBrk="0" hangingPunct="1">
+              <a:defRPr sz="1800" kern="1200">
+                <a:solidFill>
+                  <a:schemeClr val="tx1"/>
+                </a:solidFill>
+                <a:latin typeface="+mn-lt"/>
+                <a:ea typeface="+mn-ea"/>
+                <a:cs typeface="+mn-cs"/>
+              </a:defRPr>
+            </a:lvl8pPr>
+            <a:lvl9pPr marL="3657600" algn="l" defTabSz="457200" rtl="0" eaLnBrk="1" latinLnBrk="0" hangingPunct="1">
+              <a:defRPr sz="1800" kern="1200">
+                <a:solidFill>
+                  <a:schemeClr val="tx1"/>
+                </a:solidFill>
+                <a:latin typeface="+mn-lt"/>
+                <a:ea typeface="+mn-ea"/>
+                <a:cs typeface="+mn-cs"/>
+              </a:defRPr>
+            </a:lvl9pPr>
+          </a:lstStyle>
+          <a:p>
+            <a:pPr algn="l"/>
+            <a:fld id="{F0FAC593-AC06-4DF2-97AC-BEA65FD225E6}" type="datetime1">
+              <a:rPr lang="en-US" smtClean="0"/>
+              <a:pPr algn="l"/>
+              <a:t>10/5/2021</a:t>
+            </a:fld>
+            <a:endParaRPr lang="en-US" dirty="0"/>
           </a:p>
         </p:txBody>
       </p:sp>
@@ -5220,7 +5663,7 @@
               <a:rPr lang="en-US" smtClean="0"/>
               <a:t>10/4/2021</a:t>
             </a:fld>
-            <a:endParaRPr lang="en-US"/>
+            <a:endParaRPr lang="en-US" dirty="0"/>
           </a:p>
         </p:txBody>
       </p:sp>
@@ -5280,7 +5723,7 @@
 </file>
 
 <file path=ppt/slideLayouts/slideLayout5.xml><?xml version="1.0" encoding="utf-8"?>
-<p:sldLayout xmlns:a="http://schemas.openxmlformats.org/drawingml/2006/main" xmlns:r="http://schemas.openxmlformats.org/officeDocument/2006/relationships" xmlns:p="http://schemas.openxmlformats.org/presentationml/2006/main" type="twoTxTwoObj" preserve="1">
+<p:sldLayout xmlns:a="http://schemas.openxmlformats.org/drawingml/2006/main" xmlns:r="http://schemas.openxmlformats.org/officeDocument/2006/relationships" xmlns:p="http://schemas.openxmlformats.org/presentationml/2006/main" preserve="1" userDrawn="1">
   <p:cSld name="Comparison">
     <p:spTree>
       <p:nvGrpSpPr>
@@ -5306,32 +5749,37 @@
             <p:ph type="title"/>
           </p:nvPr>
         </p:nvSpPr>
-        <p:spPr/>
-        <p:txBody>
-          <a:bodyPr/>
-          <a:lstStyle/>
-          <a:p>
-            <a:r>
-              <a:rPr lang="en-US"/>
-              <a:t>Click to edit Master title style</a:t>
-            </a:r>
-          </a:p>
-        </p:txBody>
-      </p:sp>
-      <p:sp>
-        <p:nvSpPr>
-          <p:cNvPr id="3" name="Text Placeholder 2"/>
-          <p:cNvSpPr>
-            <a:spLocks noGrp="1"/>
-          </p:cNvSpPr>
-          <p:nvPr>
-            <p:ph type="body" idx="1"/>
-          </p:nvPr>
-        </p:nvSpPr>
         <p:spPr>
           <a:xfrm>
-            <a:off x="1066800" y="2048256"/>
-            <a:ext cx="4754880" cy="640080"/>
+            <a:off x="10082" y="710653"/>
+            <a:ext cx="12160582" cy="640080"/>
+          </a:xfrm>
+        </p:spPr>
+        <p:txBody>
+          <a:bodyPr/>
+          <a:lstStyle/>
+          <a:p>
+            <a:r>
+              <a:rPr lang="en-US" dirty="0"/>
+              <a:t>Click to edit Master title style</a:t>
+            </a:r>
+          </a:p>
+        </p:txBody>
+      </p:sp>
+      <p:sp>
+        <p:nvSpPr>
+          <p:cNvPr id="3" name="Text Placeholder 2"/>
+          <p:cNvSpPr>
+            <a:spLocks noGrp="1"/>
+          </p:cNvSpPr>
+          <p:nvPr>
+            <p:ph type="body" idx="1"/>
+          </p:nvPr>
+        </p:nvSpPr>
+        <p:spPr>
+          <a:xfrm>
+            <a:off x="0" y="45720"/>
+            <a:ext cx="5824728" cy="594360"/>
           </a:xfrm>
         </p:spPr>
         <p:txBody>
@@ -5385,7 +5833,7 @@
           <a:p>
             <a:pPr lvl="0"/>
             <a:r>
-              <a:rPr lang="en-US"/>
+              <a:rPr lang="en-US" dirty="0"/>
               <a:t>Click to edit Master text styles</a:t>
             </a:r>
           </a:p>
@@ -5403,8 +5851,8 @@
         </p:nvSpPr>
         <p:spPr>
           <a:xfrm>
-            <a:off x="1069848" y="2743200"/>
-            <a:ext cx="4754880" cy="3291840"/>
+            <a:off x="10082" y="1421306"/>
+            <a:ext cx="12160582" cy="4613734"/>
           </a:xfrm>
         </p:spPr>
         <p:txBody>
@@ -5441,35 +5889,35 @@
           <a:p>
             <a:pPr lvl="0"/>
             <a:r>
-              <a:rPr lang="en-US"/>
+              <a:rPr lang="en-US" dirty="0"/>
               <a:t>Click to edit Master text styles</a:t>
             </a:r>
           </a:p>
           <a:p>
             <a:pPr lvl="1"/>
             <a:r>
-              <a:rPr lang="en-US"/>
+              <a:rPr lang="en-US" dirty="0"/>
               <a:t>Second level</a:t>
             </a:r>
           </a:p>
           <a:p>
             <a:pPr lvl="2"/>
             <a:r>
-              <a:rPr lang="en-US"/>
+              <a:rPr lang="en-US" dirty="0"/>
               <a:t>Third level</a:t>
             </a:r>
           </a:p>
           <a:p>
             <a:pPr lvl="3"/>
             <a:r>
-              <a:rPr lang="en-US"/>
+              <a:rPr lang="en-US" dirty="0"/>
               <a:t>Fourth level</a:t>
             </a:r>
           </a:p>
           <a:p>
             <a:pPr lvl="4"/>
             <a:r>
-              <a:rPr lang="en-US"/>
+              <a:rPr lang="en-US" dirty="0"/>
               <a:t>Fifth level</a:t>
             </a:r>
           </a:p>
@@ -5487,8 +5935,8 @@
         </p:nvSpPr>
         <p:spPr>
           <a:xfrm>
-            <a:off x="6364224" y="2048256"/>
-            <a:ext cx="4754880" cy="640080"/>
+            <a:off x="5824728" y="0"/>
+            <a:ext cx="6345936" cy="640080"/>
           </a:xfrm>
         </p:spPr>
         <p:txBody>
@@ -5542,7 +5990,7 @@
           <a:p>
             <a:pPr lvl="0"/>
             <a:r>
-              <a:rPr lang="en-US"/>
+              <a:rPr lang="en-US" dirty="0"/>
               <a:t>Click to edit Master text styles</a:t>
             </a:r>
           </a:p>
@@ -5550,99 +5998,20 @@
       </p:sp>
       <p:sp>
         <p:nvSpPr>
-          <p:cNvPr id="6" name="Content Placeholder 5"/>
+          <p:cNvPr id="7" name="Date Placeholder 6"/>
           <p:cNvSpPr>
             <a:spLocks noGrp="1"/>
           </p:cNvSpPr>
           <p:nvPr>
-            <p:ph sz="quarter" idx="4"/>
+            <p:ph type="dt" sz="half" idx="10"/>
           </p:nvPr>
         </p:nvSpPr>
         <p:spPr>
           <a:xfrm>
-            <a:off x="6364224" y="2743200"/>
-            <a:ext cx="4754880" cy="3291840"/>
+            <a:off x="7415784" y="6272784"/>
+            <a:ext cx="3822192" cy="365125"/>
           </a:xfrm>
         </p:spPr>
-        <p:txBody>
-          <a:bodyPr/>
-          <a:lstStyle>
-            <a:lvl1pPr>
-              <a:defRPr sz="2000"/>
-            </a:lvl1pPr>
-            <a:lvl2pPr>
-              <a:defRPr sz="1800"/>
-            </a:lvl2pPr>
-            <a:lvl3pPr>
-              <a:defRPr sz="1600"/>
-            </a:lvl3pPr>
-            <a:lvl4pPr>
-              <a:defRPr sz="1600"/>
-            </a:lvl4pPr>
-            <a:lvl5pPr>
-              <a:defRPr sz="1600"/>
-            </a:lvl5pPr>
-            <a:lvl6pPr>
-              <a:defRPr sz="1600"/>
-            </a:lvl6pPr>
-            <a:lvl7pPr>
-              <a:defRPr sz="1600"/>
-            </a:lvl7pPr>
-            <a:lvl8pPr>
-              <a:defRPr sz="1600"/>
-            </a:lvl8pPr>
-            <a:lvl9pPr>
-              <a:defRPr sz="1600"/>
-            </a:lvl9pPr>
-          </a:lstStyle>
-          <a:p>
-            <a:pPr lvl="0"/>
-            <a:r>
-              <a:rPr lang="en-US"/>
-              <a:t>Click to edit Master text styles</a:t>
-            </a:r>
-          </a:p>
-          <a:p>
-            <a:pPr lvl="1"/>
-            <a:r>
-              <a:rPr lang="en-US"/>
-              <a:t>Second level</a:t>
-            </a:r>
-          </a:p>
-          <a:p>
-            <a:pPr lvl="2"/>
-            <a:r>
-              <a:rPr lang="en-US"/>
-              <a:t>Third level</a:t>
-            </a:r>
-          </a:p>
-          <a:p>
-            <a:pPr lvl="3"/>
-            <a:r>
-              <a:rPr lang="en-US"/>
-              <a:t>Fourth level</a:t>
-            </a:r>
-          </a:p>
-          <a:p>
-            <a:pPr lvl="4"/>
-            <a:r>
-              <a:rPr lang="en-US"/>
-              <a:t>Fifth level</a:t>
-            </a:r>
-          </a:p>
-        </p:txBody>
-      </p:sp>
-      <p:sp>
-        <p:nvSpPr>
-          <p:cNvPr id="7" name="Date Placeholder 6"/>
-          <p:cNvSpPr>
-            <a:spLocks noGrp="1"/>
-          </p:cNvSpPr>
-          <p:nvPr>
-            <p:ph type="dt" sz="half" idx="10"/>
-          </p:nvPr>
-        </p:nvSpPr>
-        <p:spPr/>
         <p:txBody>
           <a:bodyPr/>
           <a:lstStyle/>
@@ -5665,7 +6034,12 @@
             <p:ph type="ftr" sz="quarter" idx="11"/>
           </p:nvPr>
         </p:nvSpPr>
-        <p:spPr/>
+        <p:spPr>
+          <a:xfrm>
+            <a:off x="10082" y="6272784"/>
+            <a:ext cx="7405702" cy="365125"/>
+          </a:xfrm>
+        </p:spPr>
         <p:txBody>
           <a:bodyPr/>
           <a:lstStyle/>
@@ -8174,7 +8548,6 @@
           <a:bodyPr rtlCol="0" anchor="ctr"/>
           <a:lstStyle/>
           <a:p>
-            <a:pPr algn="ctr"/>
             <a:r>
               <a:rPr lang="en-US" sz="3200" cap="all" dirty="0">
                 <a:solidFill>
@@ -8184,15 +8557,12 @@
                 <a:ea typeface="+mj-ea"/>
                 <a:cs typeface="Times New Roman" panose="02020603050405020304" pitchFamily="18" charset="0"/>
               </a:rPr>
-              <a:t>Related work </a:t>
-            </a:r>
-            <a:r>
-              <a:rPr lang="en-US" sz="3200" dirty="0">
-                <a:latin typeface="Times New Roman" panose="02020603050405020304" pitchFamily="18" charset="0"/>
-                <a:cs typeface="Times New Roman" panose="02020603050405020304" pitchFamily="18" charset="0"/>
-              </a:rPr>
-              <a:t>(2/2)</a:t>
-            </a:r>
+              <a:t>Related work – single-stage</a:t>
+            </a:r>
+            <a:endParaRPr lang="en-US" sz="3200" dirty="0">
+              <a:latin typeface="Times New Roman" panose="02020603050405020304" pitchFamily="18" charset="0"/>
+              <a:cs typeface="Times New Roman" panose="02020603050405020304" pitchFamily="18" charset="0"/>
+            </a:endParaRPr>
           </a:p>
         </p:txBody>
       </p:sp>
@@ -8293,44 +8663,6 @@
       </p:sp>
       <p:sp>
         <p:nvSpPr>
-          <p:cNvPr id="6" name="TextBox 5">
-            <a:extLst>
-              <a:ext uri="{FF2B5EF4-FFF2-40B4-BE49-F238E27FC236}">
-                <a16:creationId xmlns:a16="http://schemas.microsoft.com/office/drawing/2014/main" id="{89D5548C-0793-404B-B790-FEDB1E09AB20}"/>
-              </a:ext>
-            </a:extLst>
-          </p:cNvPr>
-          <p:cNvSpPr txBox="1"/>
-          <p:nvPr/>
-        </p:nvSpPr>
-        <p:spPr>
-          <a:xfrm>
-            <a:off x="400050" y="1332514"/>
-            <a:ext cx="8176367" cy="584775"/>
-          </a:xfrm>
-          <a:prstGeom prst="rect">
-            <a:avLst/>
-          </a:prstGeom>
-          <a:noFill/>
-        </p:spPr>
-        <p:txBody>
-          <a:bodyPr wrap="square" rtlCol="0">
-            <a:spAutoFit/>
-          </a:bodyPr>
-          <a:lstStyle/>
-          <a:p>
-            <a:r>
-              <a:rPr lang="en-US" sz="3200" b="1" dirty="0">
-                <a:latin typeface="Times New Roman" panose="02020603050405020304" pitchFamily="18" charset="0"/>
-                <a:cs typeface="Times New Roman" panose="02020603050405020304" pitchFamily="18" charset="0"/>
-              </a:rPr>
-              <a:t>Key-points detection:</a:t>
-            </a:r>
-          </a:p>
-        </p:txBody>
-      </p:sp>
-      <p:sp>
-        <p:nvSpPr>
           <p:cNvPr id="8" name="Rectangle 7">
             <a:extLst>
               <a:ext uri="{FF2B5EF4-FFF2-40B4-BE49-F238E27FC236}">
@@ -8343,7 +8675,7 @@
         </p:nvSpPr>
         <p:spPr>
           <a:xfrm>
-            <a:off x="400050" y="1917289"/>
+            <a:off x="533400" y="2482426"/>
             <a:ext cx="11125200" cy="1893147"/>
           </a:xfrm>
           <a:prstGeom prst="rect">
@@ -8467,7 +8799,6 @@
           <a:bodyPr rtlCol="0" anchor="ctr"/>
           <a:lstStyle/>
           <a:p>
-            <a:pPr algn="ctr"/>
             <a:r>
               <a:rPr lang="en-US" sz="3200" cap="all" dirty="0">
                 <a:solidFill>
@@ -8477,15 +8808,12 @@
                 <a:ea typeface="+mj-ea"/>
                 <a:cs typeface="Times New Roman" panose="02020603050405020304" pitchFamily="18" charset="0"/>
               </a:rPr>
-              <a:t>Related work </a:t>
-            </a:r>
-            <a:r>
-              <a:rPr lang="en-US" sz="3200" dirty="0">
-                <a:latin typeface="Times New Roman" panose="02020603050405020304" pitchFamily="18" charset="0"/>
-                <a:cs typeface="Times New Roman" panose="02020603050405020304" pitchFamily="18" charset="0"/>
-              </a:rPr>
-              <a:t>(2/2)</a:t>
-            </a:r>
+              <a:t>Related work – KEY-POINTS DETECTION</a:t>
+            </a:r>
+            <a:endParaRPr lang="en-US" sz="3200" dirty="0">
+              <a:latin typeface="Times New Roman" panose="02020603050405020304" pitchFamily="18" charset="0"/>
+              <a:cs typeface="Times New Roman" panose="02020603050405020304" pitchFamily="18" charset="0"/>
+            </a:endParaRPr>
           </a:p>
         </p:txBody>
       </p:sp>
@@ -8640,7 +8968,6 @@
           <a:bodyPr rtlCol="0" anchor="ctr"/>
           <a:lstStyle/>
           <a:p>
-            <a:pPr algn="ctr"/>
             <a:r>
               <a:rPr lang="en-US" sz="3200" cap="all" dirty="0">
                 <a:solidFill>
@@ -8650,15 +8977,34 @@
                 <a:ea typeface="+mj-ea"/>
                 <a:cs typeface="Times New Roman" panose="02020603050405020304" pitchFamily="18" charset="0"/>
               </a:rPr>
-              <a:t>Proposed method </a:t>
-            </a:r>
-            <a:r>
-              <a:rPr lang="en-US" sz="3200" dirty="0">
-                <a:latin typeface="Times New Roman" panose="02020603050405020304" pitchFamily="18" charset="0"/>
-                <a:cs typeface="Times New Roman" panose="02020603050405020304" pitchFamily="18" charset="0"/>
-              </a:rPr>
-              <a:t>(2/2)</a:t>
-            </a:r>
+              <a:t>Proposed method – our </a:t>
+            </a:r>
+            <a:r>
+              <a:rPr lang="en-US" sz="3200" cap="all" dirty="0" err="1">
+                <a:solidFill>
+                  <a:schemeClr val="bg1"/>
+                </a:solidFill>
+                <a:latin typeface="Times New Roman" panose="02020603050405020304" pitchFamily="18" charset="0"/>
+                <a:ea typeface="+mj-ea"/>
+                <a:cs typeface="Times New Roman" panose="02020603050405020304" pitchFamily="18" charset="0"/>
+              </a:rPr>
+              <a:t>alpr</a:t>
+            </a:r>
+            <a:r>
+              <a:rPr lang="en-US" sz="3200" cap="all" dirty="0">
+                <a:solidFill>
+                  <a:schemeClr val="bg1"/>
+                </a:solidFill>
+                <a:latin typeface="Times New Roman" panose="02020603050405020304" pitchFamily="18" charset="0"/>
+                <a:ea typeface="+mj-ea"/>
+                <a:cs typeface="Times New Roman" panose="02020603050405020304" pitchFamily="18" charset="0"/>
+              </a:rPr>
+              <a:t> system</a:t>
+            </a:r>
+            <a:endParaRPr lang="en-US" sz="3200" dirty="0">
+              <a:latin typeface="Times New Roman" panose="02020603050405020304" pitchFamily="18" charset="0"/>
+              <a:cs typeface="Times New Roman" panose="02020603050405020304" pitchFamily="18" charset="0"/>
+            </a:endParaRPr>
           </a:p>
         </p:txBody>
       </p:sp>
@@ -8902,7 +9248,6 @@
           <a:bodyPr rtlCol="0" anchor="ctr"/>
           <a:lstStyle/>
           <a:p>
-            <a:pPr algn="ctr"/>
             <a:r>
               <a:rPr lang="en-US" sz="3200" cap="all" dirty="0">
                 <a:solidFill>
@@ -8912,15 +9257,12 @@
                 <a:ea typeface="+mj-ea"/>
                 <a:cs typeface="Times New Roman" panose="02020603050405020304" pitchFamily="18" charset="0"/>
               </a:rPr>
-              <a:t>Proposed method </a:t>
-            </a:r>
-            <a:r>
-              <a:rPr lang="en-US" sz="3200" dirty="0">
-                <a:latin typeface="Times New Roman" panose="02020603050405020304" pitchFamily="18" charset="0"/>
-                <a:cs typeface="Times New Roman" panose="02020603050405020304" pitchFamily="18" charset="0"/>
-              </a:rPr>
-              <a:t>(2/2)</a:t>
-            </a:r>
+              <a:t>Proposed method – vehicle detection</a:t>
+            </a:r>
+            <a:endParaRPr lang="en-US" sz="3200" dirty="0">
+              <a:latin typeface="Times New Roman" panose="02020603050405020304" pitchFamily="18" charset="0"/>
+              <a:cs typeface="Times New Roman" panose="02020603050405020304" pitchFamily="18" charset="0"/>
+            </a:endParaRPr>
           </a:p>
         </p:txBody>
       </p:sp>
@@ -10041,7 +10383,7 @@
         </p:nvSpPr>
         <p:spPr>
           <a:xfrm>
-            <a:off x="400050" y="1332514"/>
+            <a:off x="400050" y="906365"/>
             <a:ext cx="8176367" cy="584775"/>
           </a:xfrm>
           <a:prstGeom prst="rect">
@@ -10079,8 +10421,8 @@
         </p:nvSpPr>
         <p:spPr>
           <a:xfrm>
-            <a:off x="400050" y="1917289"/>
-            <a:ext cx="11125200" cy="3657733"/>
+            <a:off x="400050" y="1371858"/>
+            <a:ext cx="11125200" cy="1236557"/>
           </a:xfrm>
           <a:prstGeom prst="rect">
             <a:avLst/>
@@ -10107,21 +10449,7 @@
                 <a:latin typeface="Times New Roman" panose="02020603050405020304" pitchFamily="18" charset="0"/>
                 <a:cs typeface="Times New Roman" panose="02020603050405020304" pitchFamily="18" charset="0"/>
               </a:rPr>
-              <a:t>Architectures used for the key-points detection problem, most prominent is </a:t>
-            </a:r>
-            <a:r>
-              <a:rPr lang="en-US" sz="2400" dirty="0" err="1">
-                <a:latin typeface="Times New Roman" panose="02020603050405020304" pitchFamily="18" charset="0"/>
-                <a:cs typeface="Times New Roman" panose="02020603050405020304" pitchFamily="18" charset="0"/>
-              </a:rPr>
-              <a:t>HRNet</a:t>
-            </a:r>
-            <a:r>
-              <a:rPr lang="en-US" sz="2400" dirty="0">
-                <a:latin typeface="Times New Roman" panose="02020603050405020304" pitchFamily="18" charset="0"/>
-                <a:cs typeface="Times New Roman" panose="02020603050405020304" pitchFamily="18" charset="0"/>
-              </a:rPr>
-              <a:t>, DLA network.</a:t>
+              <a:t>HPE architecture: DLA-34, HRNet-18, Restnet18.</a:t>
             </a:r>
           </a:p>
           <a:p>
@@ -10140,7 +10468,7 @@
                 <a:latin typeface="Times New Roman" panose="02020603050405020304" pitchFamily="18" charset="0"/>
                 <a:cs typeface="Times New Roman" panose="02020603050405020304" pitchFamily="18" charset="0"/>
               </a:rPr>
-              <a:t>We modified a semantic segmentation network called </a:t>
+              <a:t>Modify a semantic segmentation architecture: </a:t>
             </a:r>
             <a:r>
               <a:rPr lang="en-US" sz="2400" dirty="0" err="1">
@@ -10154,45 +10482,7 @@
                 <a:latin typeface="Times New Roman" panose="02020603050405020304" pitchFamily="18" charset="0"/>
                 <a:cs typeface="Times New Roman" panose="02020603050405020304" pitchFamily="18" charset="0"/>
               </a:rPr>
-              <a:t> and its variants to match this problem. These main changing included:</a:t>
-            </a:r>
-          </a:p>
-          <a:p>
-            <a:pPr marL="914400" lvl="1" indent="-457200" algn="just">
-              <a:lnSpc>
-                <a:spcPct val="150000"/>
-              </a:lnSpc>
-              <a:spcAft>
-                <a:spcPts val="800"/>
-              </a:spcAft>
-              <a:buFont typeface="Arial" panose="020B0604020202020204" pitchFamily="34" charset="0"/>
-              <a:buChar char="•"/>
-            </a:pPr>
-            <a:r>
-              <a:rPr lang="en-US" sz="2400" dirty="0">
-                <a:latin typeface="Times New Roman" panose="02020603050405020304" pitchFamily="18" charset="0"/>
-                <a:cs typeface="Times New Roman" panose="02020603050405020304" pitchFamily="18" charset="0"/>
-              </a:rPr>
-              <a:t>Modification 1: Adding up-convolution and skip connections.</a:t>
-            </a:r>
-          </a:p>
-          <a:p>
-            <a:pPr marL="914400" lvl="1" indent="-457200" algn="just">
-              <a:lnSpc>
-                <a:spcPct val="150000"/>
-              </a:lnSpc>
-              <a:spcAft>
-                <a:spcPts val="800"/>
-              </a:spcAft>
-              <a:buFont typeface="Arial" panose="020B0604020202020204" pitchFamily="34" charset="0"/>
-              <a:buChar char="•"/>
-            </a:pPr>
-            <a:r>
-              <a:rPr lang="en-US" sz="2400" dirty="0">
-                <a:latin typeface="Times New Roman" panose="02020603050405020304" pitchFamily="18" charset="0"/>
-                <a:cs typeface="Times New Roman" panose="02020603050405020304" pitchFamily="18" charset="0"/>
-              </a:rPr>
-              <a:t>Modification 2: Up-scale feature resolution and add skip connections.</a:t>
+              <a:t>.</a:t>
             </a:r>
           </a:p>
         </p:txBody>
@@ -10257,6 +10547,89 @@
               </a:rPr>
               <a:t>(2/2)</a:t>
             </a:r>
+          </a:p>
+        </p:txBody>
+      </p:sp>
+      <p:pic>
+        <p:nvPicPr>
+          <p:cNvPr id="3" name="Picture 2">
+            <a:extLst>
+              <a:ext uri="{FF2B5EF4-FFF2-40B4-BE49-F238E27FC236}">
+                <a16:creationId xmlns:a16="http://schemas.microsoft.com/office/drawing/2014/main" id="{074CC8B9-067D-4DE1-B2EF-44425791BFCA}"/>
+              </a:ext>
+            </a:extLst>
+          </p:cNvPr>
+          <p:cNvPicPr>
+            <a:picLocks noChangeAspect="1"/>
+          </p:cNvPicPr>
+          <p:nvPr/>
+        </p:nvPicPr>
+        <p:blipFill>
+          <a:blip r:embed="rId3"/>
+          <a:stretch>
+            <a:fillRect/>
+          </a:stretch>
+        </p:blipFill>
+        <p:spPr>
+          <a:xfrm>
+            <a:off x="923565" y="2608415"/>
+            <a:ext cx="9678751" cy="3791479"/>
+          </a:xfrm>
+          <a:prstGeom prst="rect">
+            <a:avLst/>
+          </a:prstGeom>
+        </p:spPr>
+      </p:pic>
+      <p:sp>
+        <p:nvSpPr>
+          <p:cNvPr id="7" name="Rectangle 6">
+            <a:extLst>
+              <a:ext uri="{FF2B5EF4-FFF2-40B4-BE49-F238E27FC236}">
+                <a16:creationId xmlns:a16="http://schemas.microsoft.com/office/drawing/2014/main" id="{4069F65C-160E-4B36-A184-819094DC4AB5}"/>
+              </a:ext>
+            </a:extLst>
+          </p:cNvPr>
+          <p:cNvSpPr/>
+          <p:nvPr/>
+        </p:nvSpPr>
+        <p:spPr>
+          <a:xfrm>
+            <a:off x="4135868" y="6485327"/>
+            <a:ext cx="3653564" cy="369332"/>
+          </a:xfrm>
+          <a:prstGeom prst="rect">
+            <a:avLst/>
+          </a:prstGeom>
+        </p:spPr>
+        <p:txBody>
+          <a:bodyPr wrap="none">
+            <a:spAutoFit/>
+          </a:bodyPr>
+          <a:lstStyle/>
+          <a:p>
+            <a:pPr algn="ctr"/>
+            <a:r>
+              <a:rPr lang="en-US" dirty="0">
+                <a:latin typeface="Times New Roman" panose="02020603050405020304" pitchFamily="18" charset="0"/>
+                <a:cs typeface="Times New Roman" panose="02020603050405020304" pitchFamily="18" charset="0"/>
+              </a:rPr>
+              <a:t>Fig 9. Original </a:t>
+            </a:r>
+            <a:r>
+              <a:rPr lang="en-US" dirty="0" err="1">
+                <a:latin typeface="Times New Roman" panose="02020603050405020304" pitchFamily="18" charset="0"/>
+                <a:cs typeface="Times New Roman" panose="02020603050405020304" pitchFamily="18" charset="0"/>
+              </a:rPr>
+              <a:t>DDRNet</a:t>
+            </a:r>
+            <a:r>
+              <a:rPr lang="en-US" dirty="0">
+                <a:latin typeface="Times New Roman" panose="02020603050405020304" pitchFamily="18" charset="0"/>
+                <a:cs typeface="Times New Roman" panose="02020603050405020304" pitchFamily="18" charset="0"/>
+              </a:rPr>
+              <a:t> architecture</a:t>
+            </a:r>
+            <a:endParaRPr lang="en-US" dirty="0"/>
           </a:p>
         </p:txBody>
       </p:sp>
@@ -10340,7 +10713,7 @@
         <p:spPr>
           <a:xfrm>
             <a:off x="560833" y="970301"/>
-            <a:ext cx="8176367" cy="584775"/>
+            <a:ext cx="10187378" cy="584775"/>
           </a:xfrm>
           <a:prstGeom prst="rect">
             <a:avLst/>
@@ -10356,10 +10729,15 @@
             <a:r>
               <a:rPr lang="en-US" sz="3200" b="1" dirty="0">
                 <a:latin typeface="Times New Roman" panose="02020603050405020304" pitchFamily="18" charset="0"/>
-                <a:cs typeface="Times New Roman" panose="02020603050405020304" pitchFamily="18" charset="0"/>
-              </a:rPr>
-              <a:t>Architecture modification 2:</a:t>
-            </a:r>
+                <a:ea typeface="Calibri" panose="020F0502020204030204" pitchFamily="34" charset="0"/>
+                <a:cs typeface="Times New Roman" panose="02020603050405020304" pitchFamily="18" charset="0"/>
+              </a:rPr>
+              <a:t>Up-scale feature resolution and add skip connections</a:t>
+            </a:r>
+            <a:endParaRPr lang="en-US" sz="3200" b="1" dirty="0">
+              <a:latin typeface="Times New Roman" panose="02020603050405020304" pitchFamily="18" charset="0"/>
+              <a:cs typeface="Times New Roman" panose="02020603050405020304" pitchFamily="18" charset="0"/>
+            </a:endParaRPr>
           </a:p>
         </p:txBody>
       </p:sp>
@@ -10606,7 +10984,7 @@
                 <a:latin typeface="Times New Roman" panose="02020603050405020304" pitchFamily="18" charset="0"/>
                 <a:cs typeface="Times New Roman" panose="02020603050405020304" pitchFamily="18" charset="0"/>
               </a:rPr>
-              <a:t>Vehicle detection:</a:t>
+              <a:t>License plate OCR:</a:t>
             </a:r>
           </a:p>
         </p:txBody>
@@ -10718,7 +11096,6 @@
           <a:bodyPr rtlCol="0" anchor="ctr"/>
           <a:lstStyle/>
           <a:p>
-            <a:pPr algn="ctr"/>
             <a:r>
               <a:rPr lang="en-US" sz="3200" cap="all" dirty="0">
                 <a:solidFill>
@@ -10728,14 +11105,14 @@
                 <a:ea typeface="+mj-ea"/>
                 <a:cs typeface="Times New Roman" panose="02020603050405020304" pitchFamily="18" charset="0"/>
               </a:rPr>
-              <a:t>Proposed method </a:t>
+              <a:t>Proposed method-</a:t>
             </a:r>
             <a:r>
               <a:rPr lang="en-US" sz="3200" dirty="0">
                 <a:latin typeface="Times New Roman" panose="02020603050405020304" pitchFamily="18" charset="0"/>
                 <a:cs typeface="Times New Roman" panose="02020603050405020304" pitchFamily="18" charset="0"/>
               </a:rPr>
-              <a:t>(2/2)</a:t>
+              <a:t>License plate OCR</a:t>
             </a:r>
           </a:p>
         </p:txBody>
@@ -11734,6 +12111,167 @@
 </p:sld>
 </file>
 
+<file path=ppt/slides/slide22.xml><?xml version="1.0" encoding="utf-8"?>
+<p:sld xmlns:a="http://schemas.openxmlformats.org/drawingml/2006/main" xmlns:r="http://schemas.openxmlformats.org/officeDocument/2006/relationships" xmlns:p="http://schemas.openxmlformats.org/presentationml/2006/main">
+  <p:cSld>
+    <p:spTree>
+      <p:nvGrpSpPr>
+        <p:cNvPr id="1" name=""/>
+        <p:cNvGrpSpPr/>
+        <p:nvPr/>
+      </p:nvGrpSpPr>
+      <p:grpSpPr>
+        <a:xfrm>
+          <a:off x="0" y="0"/>
+          <a:ext cx="0" cy="0"/>
+          <a:chOff x="0" y="0"/>
+          <a:chExt cx="0" cy="0"/>
+        </a:xfrm>
+      </p:grpSpPr>
+      <p:sp>
+        <p:nvSpPr>
+          <p:cNvPr id="2" name="Title 1">
+            <a:extLst>
+              <a:ext uri="{FF2B5EF4-FFF2-40B4-BE49-F238E27FC236}">
+                <a16:creationId xmlns:a16="http://schemas.microsoft.com/office/drawing/2014/main" id="{E9F58A59-64C4-4FB1-B973-FF0F94DFBDF2}"/>
+              </a:ext>
+            </a:extLst>
+          </p:cNvPr>
+          <p:cNvSpPr>
+            <a:spLocks noGrp="1"/>
+          </p:cNvSpPr>
+          <p:nvPr>
+            <p:ph type="title"/>
+          </p:nvPr>
+        </p:nvSpPr>
+        <p:spPr/>
+        <p:txBody>
+          <a:bodyPr>
+            <a:normAutofit fontScale="90000"/>
+          </a:bodyPr>
+          <a:lstStyle/>
+          <a:p>
+            <a:endParaRPr lang="en-US" dirty="0"/>
+          </a:p>
+        </p:txBody>
+      </p:sp>
+      <p:sp>
+        <p:nvSpPr>
+          <p:cNvPr id="3" name="Text Placeholder 2">
+            <a:extLst>
+              <a:ext uri="{FF2B5EF4-FFF2-40B4-BE49-F238E27FC236}">
+                <a16:creationId xmlns:a16="http://schemas.microsoft.com/office/drawing/2014/main" id="{73ECCF77-0B11-4DB6-9F92-99A2A30AE3C5}"/>
+              </a:ext>
+            </a:extLst>
+          </p:cNvPr>
+          <p:cNvSpPr>
+            <a:spLocks noGrp="1"/>
+          </p:cNvSpPr>
+          <p:nvPr>
+            <p:ph type="body" idx="1"/>
+          </p:nvPr>
+        </p:nvSpPr>
+        <p:spPr/>
+        <p:txBody>
+          <a:bodyPr/>
+          <a:lstStyle/>
+          <a:p>
+            <a:endParaRPr lang="en-US" dirty="0"/>
+          </a:p>
+        </p:txBody>
+      </p:sp>
+      <p:sp>
+        <p:nvSpPr>
+          <p:cNvPr id="4" name="Content Placeholder 3">
+            <a:extLst>
+              <a:ext uri="{FF2B5EF4-FFF2-40B4-BE49-F238E27FC236}">
+                <a16:creationId xmlns:a16="http://schemas.microsoft.com/office/drawing/2014/main" id="{7B3E5E01-90A0-4ADF-960E-03AFDC6243B0}"/>
+              </a:ext>
+            </a:extLst>
+          </p:cNvPr>
+          <p:cNvSpPr>
+            <a:spLocks noGrp="1"/>
+          </p:cNvSpPr>
+          <p:nvPr>
+            <p:ph sz="half" idx="2"/>
+          </p:nvPr>
+        </p:nvSpPr>
+        <p:spPr/>
+        <p:txBody>
+          <a:bodyPr/>
+          <a:lstStyle/>
+          <a:p>
+            <a:endParaRPr lang="en-US" dirty="0"/>
+          </a:p>
+        </p:txBody>
+      </p:sp>
+      <p:sp>
+        <p:nvSpPr>
+          <p:cNvPr id="5" name="Text Placeholder 4">
+            <a:extLst>
+              <a:ext uri="{FF2B5EF4-FFF2-40B4-BE49-F238E27FC236}">
+                <a16:creationId xmlns:a16="http://schemas.microsoft.com/office/drawing/2014/main" id="{40E89916-D330-468B-97EA-BB4FD5DF2EC6}"/>
+              </a:ext>
+            </a:extLst>
+          </p:cNvPr>
+          <p:cNvSpPr>
+            <a:spLocks noGrp="1"/>
+          </p:cNvSpPr>
+          <p:nvPr>
+            <p:ph type="body" sz="quarter" idx="3"/>
+          </p:nvPr>
+        </p:nvSpPr>
+        <p:spPr/>
+        <p:txBody>
+          <a:bodyPr/>
+          <a:lstStyle/>
+          <a:p>
+            <a:endParaRPr lang="en-US" dirty="0"/>
+          </a:p>
+        </p:txBody>
+      </p:sp>
+      <p:sp>
+        <p:nvSpPr>
+          <p:cNvPr id="6" name="Slide Number Placeholder 5">
+            <a:extLst>
+              <a:ext uri="{FF2B5EF4-FFF2-40B4-BE49-F238E27FC236}">
+                <a16:creationId xmlns:a16="http://schemas.microsoft.com/office/drawing/2014/main" id="{BC6DCCD0-4566-494E-8A71-05368A7CB51F}"/>
+              </a:ext>
+            </a:extLst>
+          </p:cNvPr>
+          <p:cNvSpPr>
+            <a:spLocks noGrp="1"/>
+          </p:cNvSpPr>
+          <p:nvPr>
+            <p:ph type="sldNum" sz="quarter" idx="12"/>
+          </p:nvPr>
+        </p:nvSpPr>
+        <p:spPr/>
+        <p:txBody>
+          <a:bodyPr/>
+          <a:lstStyle/>
+          <a:p>
+            <a:fld id="{033ED8BB-0197-432D-94CB-A37C75AAC944}" type="slidenum">
+              <a:rPr lang="en-US" smtClean="0"/>
+              <a:t>22</a:t>
+            </a:fld>
+            <a:endParaRPr lang="en-US"/>
+          </a:p>
+        </p:txBody>
+      </p:sp>
+    </p:spTree>
+    <p:extLst>
+      <p:ext uri="{BB962C8B-B14F-4D97-AF65-F5344CB8AC3E}">
+        <p14:creationId xmlns:p14="http://schemas.microsoft.com/office/powerpoint/2010/main" val="247876228"/>
+      </p:ext>
+    </p:extLst>
+  </p:cSld>
+  <p:clrMapOvr>
+    <a:masterClrMapping/>
+  </p:clrMapOvr>
+</p:sld>
+</file>
+
 <file path=ppt/slides/slide3.xml><?xml version="1.0" encoding="utf-8"?>
 <p:sld xmlns:a="http://schemas.openxmlformats.org/drawingml/2006/main" xmlns:r="http://schemas.openxmlformats.org/officeDocument/2006/relationships" xmlns:p="http://schemas.openxmlformats.org/presentationml/2006/main">
   <p:cSld>
@@ -11792,7 +12330,6 @@
           <a:bodyPr rtlCol="0" anchor="ctr"/>
           <a:lstStyle/>
           <a:p>
-            <a:pPr algn="ctr"/>
             <a:r>
               <a:rPr lang="en-US" sz="3200" kern="1200" cap="all" baseline="0" dirty="0">
                 <a:solidFill>
@@ -11802,15 +12339,12 @@
                 <a:ea typeface="+mj-ea"/>
                 <a:cs typeface="Times New Roman" panose="02020603050405020304" pitchFamily="18" charset="0"/>
               </a:rPr>
-              <a:t>PREFACE </a:t>
-            </a:r>
-            <a:r>
-              <a:rPr lang="en-US" sz="3200" dirty="0">
-                <a:latin typeface="Times New Roman" panose="02020603050405020304" pitchFamily="18" charset="0"/>
-                <a:cs typeface="Times New Roman" panose="02020603050405020304" pitchFamily="18" charset="0"/>
-              </a:rPr>
-              <a:t>(1/2)</a:t>
-            </a:r>
+              <a:t>PREFACE - REALITY</a:t>
+            </a:r>
+            <a:endParaRPr lang="en-US" sz="3200" dirty="0">
+              <a:latin typeface="Times New Roman" panose="02020603050405020304" pitchFamily="18" charset="0"/>
+              <a:cs typeface="Times New Roman" panose="02020603050405020304" pitchFamily="18" charset="0"/>
+            </a:endParaRPr>
           </a:p>
         </p:txBody>
       </p:sp>
@@ -12039,7 +12573,6 @@
           <a:bodyPr rtlCol="0" anchor="ctr"/>
           <a:lstStyle/>
           <a:p>
-            <a:pPr algn="ctr"/>
             <a:r>
               <a:rPr lang="en-US" sz="3200" kern="1200" cap="all" baseline="0" dirty="0">
                 <a:solidFill>
@@ -12049,15 +12582,12 @@
                 <a:ea typeface="+mj-ea"/>
                 <a:cs typeface="Times New Roman" panose="02020603050405020304" pitchFamily="18" charset="0"/>
               </a:rPr>
-              <a:t>PREFACE </a:t>
-            </a:r>
-            <a:r>
-              <a:rPr lang="en-US" sz="3200" dirty="0">
-                <a:latin typeface="Times New Roman" panose="02020603050405020304" pitchFamily="18" charset="0"/>
-                <a:cs typeface="Times New Roman" panose="02020603050405020304" pitchFamily="18" charset="0"/>
-              </a:rPr>
-              <a:t>(2/2)</a:t>
-            </a:r>
+              <a:t>Preface – our goal</a:t>
+            </a:r>
+            <a:endParaRPr lang="en-US" sz="3200" dirty="0">
+              <a:latin typeface="Times New Roman" panose="02020603050405020304" pitchFamily="18" charset="0"/>
+              <a:cs typeface="Times New Roman" panose="02020603050405020304" pitchFamily="18" charset="0"/>
+            </a:endParaRPr>
           </a:p>
         </p:txBody>
       </p:sp>
@@ -12104,7 +12634,7 @@
         </p:nvSpPr>
         <p:spPr>
           <a:xfrm>
-            <a:off x="742409" y="1307981"/>
+            <a:off x="742409" y="1905506"/>
             <a:ext cx="10707182" cy="3046988"/>
           </a:xfrm>
           <a:prstGeom prst="rect">
@@ -12375,7 +12905,6 @@
           <a:bodyPr rtlCol="0" anchor="ctr"/>
           <a:lstStyle/>
           <a:p>
-            <a:pPr algn="ctr"/>
             <a:r>
               <a:rPr lang="en-US" sz="3200" cap="all" dirty="0">
                 <a:solidFill>
@@ -12385,26 +12914,12 @@
                 <a:ea typeface="+mj-ea"/>
                 <a:cs typeface="Times New Roman" panose="02020603050405020304" pitchFamily="18" charset="0"/>
               </a:rPr>
-              <a:t>introduction</a:t>
-            </a:r>
-            <a:r>
-              <a:rPr lang="en-US" sz="3200" kern="1200" cap="all" baseline="0" dirty="0">
-                <a:solidFill>
-                  <a:schemeClr val="bg1"/>
-                </a:solidFill>
-                <a:latin typeface="Times New Roman" panose="02020603050405020304" pitchFamily="18" charset="0"/>
-                <a:ea typeface="+mj-ea"/>
-                <a:cs typeface="Times New Roman" panose="02020603050405020304" pitchFamily="18" charset="0"/>
-              </a:rPr>
-              <a:t> </a:t>
-            </a:r>
-            <a:r>
-              <a:rPr lang="en-US" sz="3200" dirty="0">
-                <a:latin typeface="Times New Roman" panose="02020603050405020304" pitchFamily="18" charset="0"/>
-                <a:cs typeface="Times New Roman" panose="02020603050405020304" pitchFamily="18" charset="0"/>
-              </a:rPr>
-              <a:t>(1/3)</a:t>
-            </a:r>
+              <a:t>introduction – ALPR SYSTEM</a:t>
+            </a:r>
+            <a:endParaRPr lang="en-US" sz="3200" dirty="0">
+              <a:latin typeface="Times New Roman" panose="02020603050405020304" pitchFamily="18" charset="0"/>
+              <a:cs typeface="Times New Roman" panose="02020603050405020304" pitchFamily="18" charset="0"/>
+            </a:endParaRPr>
           </a:p>
         </p:txBody>
       </p:sp>
@@ -12547,44 +13062,6 @@
       </p:sp>
       <p:sp>
         <p:nvSpPr>
-          <p:cNvPr id="6" name="TextBox 5">
-            <a:extLst>
-              <a:ext uri="{FF2B5EF4-FFF2-40B4-BE49-F238E27FC236}">
-                <a16:creationId xmlns:a16="http://schemas.microsoft.com/office/drawing/2014/main" id="{89D5548C-0793-404B-B790-FEDB1E09AB20}"/>
-              </a:ext>
-            </a:extLst>
-          </p:cNvPr>
-          <p:cNvSpPr txBox="1"/>
-          <p:nvPr/>
-        </p:nvSpPr>
-        <p:spPr>
-          <a:xfrm>
-            <a:off x="400050" y="1332514"/>
-            <a:ext cx="8176367" cy="584775"/>
-          </a:xfrm>
-          <a:prstGeom prst="rect">
-            <a:avLst/>
-          </a:prstGeom>
-          <a:noFill/>
-        </p:spPr>
-        <p:txBody>
-          <a:bodyPr wrap="square" rtlCol="0">
-            <a:spAutoFit/>
-          </a:bodyPr>
-          <a:lstStyle/>
-          <a:p>
-            <a:r>
-              <a:rPr lang="en-US" sz="3200" b="1" dirty="0">
-                <a:latin typeface="Times New Roman" panose="02020603050405020304" pitchFamily="18" charset="0"/>
-                <a:cs typeface="Times New Roman" panose="02020603050405020304" pitchFamily="18" charset="0"/>
-              </a:rPr>
-              <a:t>Challenges:</a:t>
-            </a:r>
-          </a:p>
-        </p:txBody>
-      </p:sp>
-      <p:sp>
-        <p:nvSpPr>
           <p:cNvPr id="8" name="Rectangle 7">
             <a:extLst>
               <a:ext uri="{FF2B5EF4-FFF2-40B4-BE49-F238E27FC236}">
@@ -12597,7 +13074,7 @@
         </p:nvSpPr>
         <p:spPr>
           <a:xfrm>
-            <a:off x="400050" y="1917289"/>
+            <a:off x="533400" y="1825836"/>
             <a:ext cx="11125200" cy="3206327"/>
           </a:xfrm>
           <a:prstGeom prst="rect">
@@ -12747,7 +13224,6 @@
           <a:bodyPr rtlCol="0" anchor="ctr"/>
           <a:lstStyle/>
           <a:p>
-            <a:pPr algn="ctr"/>
             <a:r>
               <a:rPr lang="en-US" sz="3200" cap="all" dirty="0">
                 <a:solidFill>
@@ -12757,15 +13233,12 @@
                 <a:ea typeface="+mj-ea"/>
                 <a:cs typeface="Times New Roman" panose="02020603050405020304" pitchFamily="18" charset="0"/>
               </a:rPr>
-              <a:t>INTRODUCTION </a:t>
-            </a:r>
-            <a:r>
-              <a:rPr lang="en-US" sz="3200" dirty="0">
-                <a:latin typeface="Times New Roman" panose="02020603050405020304" pitchFamily="18" charset="0"/>
-                <a:cs typeface="Times New Roman" panose="02020603050405020304" pitchFamily="18" charset="0"/>
-              </a:rPr>
-              <a:t>(2/3)</a:t>
-            </a:r>
+              <a:t>INTRODUCTION - Challenges</a:t>
+            </a:r>
+            <a:endParaRPr lang="en-US" sz="3200" dirty="0">
+              <a:latin typeface="Times New Roman" panose="02020603050405020304" pitchFamily="18" charset="0"/>
+              <a:cs typeface="Times New Roman" panose="02020603050405020304" pitchFamily="18" charset="0"/>
+            </a:endParaRPr>
           </a:p>
         </p:txBody>
       </p:sp>
@@ -12836,44 +13309,6 @@
       </p:sp>
       <p:sp>
         <p:nvSpPr>
-          <p:cNvPr id="6" name="TextBox 5">
-            <a:extLst>
-              <a:ext uri="{FF2B5EF4-FFF2-40B4-BE49-F238E27FC236}">
-                <a16:creationId xmlns:a16="http://schemas.microsoft.com/office/drawing/2014/main" id="{89D5548C-0793-404B-B790-FEDB1E09AB20}"/>
-              </a:ext>
-            </a:extLst>
-          </p:cNvPr>
-          <p:cNvSpPr txBox="1"/>
-          <p:nvPr/>
-        </p:nvSpPr>
-        <p:spPr>
-          <a:xfrm>
-            <a:off x="400050" y="1332514"/>
-            <a:ext cx="8176367" cy="584775"/>
-          </a:xfrm>
-          <a:prstGeom prst="rect">
-            <a:avLst/>
-          </a:prstGeom>
-          <a:noFill/>
-        </p:spPr>
-        <p:txBody>
-          <a:bodyPr wrap="square" rtlCol="0">
-            <a:spAutoFit/>
-          </a:bodyPr>
-          <a:lstStyle/>
-          <a:p>
-            <a:r>
-              <a:rPr lang="en-US" sz="3200" b="1" dirty="0">
-                <a:latin typeface="Times New Roman" panose="02020603050405020304" pitchFamily="18" charset="0"/>
-                <a:cs typeface="Times New Roman" panose="02020603050405020304" pitchFamily="18" charset="0"/>
-              </a:rPr>
-              <a:t>Main contributions:</a:t>
-            </a:r>
-          </a:p>
-        </p:txBody>
-      </p:sp>
-      <p:sp>
-        <p:nvSpPr>
           <p:cNvPr id="8" name="Rectangle 7">
             <a:extLst>
               <a:ext uri="{FF2B5EF4-FFF2-40B4-BE49-F238E27FC236}">
@@ -12886,7 +13321,7 @@
         </p:nvSpPr>
         <p:spPr>
           <a:xfrm>
-            <a:off x="400050" y="1917289"/>
+            <a:off x="533400" y="2205427"/>
             <a:ext cx="11125200" cy="2447145"/>
           </a:xfrm>
           <a:prstGeom prst="rect">
@@ -12998,7 +13433,6 @@
           <a:bodyPr rtlCol="0" anchor="ctr"/>
           <a:lstStyle/>
           <a:p>
-            <a:pPr algn="ctr"/>
             <a:r>
               <a:rPr lang="en-US" sz="3200" cap="all" dirty="0">
                 <a:solidFill>
@@ -13008,15 +13442,12 @@
                 <a:ea typeface="+mj-ea"/>
                 <a:cs typeface="Times New Roman" panose="02020603050405020304" pitchFamily="18" charset="0"/>
               </a:rPr>
-              <a:t>INTRODUCTION </a:t>
-            </a:r>
-            <a:r>
-              <a:rPr lang="en-US" sz="3200" dirty="0">
-                <a:latin typeface="Times New Roman" panose="02020603050405020304" pitchFamily="18" charset="0"/>
-                <a:cs typeface="Times New Roman" panose="02020603050405020304" pitchFamily="18" charset="0"/>
-              </a:rPr>
-              <a:t>(3/3)</a:t>
-            </a:r>
+              <a:t>INTRODUCTION – MAIN CONTRIBUTIONS</a:t>
+            </a:r>
+            <a:endParaRPr lang="en-US" sz="3200" dirty="0">
+              <a:latin typeface="Times New Roman" panose="02020603050405020304" pitchFamily="18" charset="0"/>
+              <a:cs typeface="Times New Roman" panose="02020603050405020304" pitchFamily="18" charset="0"/>
+            </a:endParaRPr>
           </a:p>
         </p:txBody>
       </p:sp>
@@ -13085,167 +13516,188 @@
           </a:p>
         </p:txBody>
       </p:sp>
-      <p:sp>
-        <p:nvSpPr>
-          <p:cNvPr id="6" name="TextBox 5">
+      <p:grpSp>
+        <p:nvGrpSpPr>
+          <p:cNvPr id="5" name="Group 4">
             <a:extLst>
               <a:ext uri="{FF2B5EF4-FFF2-40B4-BE49-F238E27FC236}">
-                <a16:creationId xmlns:a16="http://schemas.microsoft.com/office/drawing/2014/main" id="{89D5548C-0793-404B-B790-FEDB1E09AB20}"/>
+                <a16:creationId xmlns:a16="http://schemas.microsoft.com/office/drawing/2014/main" id="{C8E9775A-9BD3-444C-A9A3-51E002A11C66}"/>
               </a:ext>
             </a:extLst>
           </p:cNvPr>
-          <p:cNvSpPr txBox="1"/>
+          <p:cNvGrpSpPr/>
           <p:nvPr/>
-        </p:nvSpPr>
-        <p:spPr>
+        </p:nvGrpSpPr>
+        <p:grpSpPr>
           <a:xfrm>
-            <a:off x="400050" y="1332514"/>
-            <a:ext cx="8176367" cy="584775"/>
+            <a:off x="533400" y="1533449"/>
+            <a:ext cx="11125200" cy="3791102"/>
+            <a:chOff x="400050" y="1332514"/>
+            <a:chExt cx="11125200" cy="3791102"/>
           </a:xfrm>
-          <a:prstGeom prst="rect">
-            <a:avLst/>
-          </a:prstGeom>
-          <a:noFill/>
-        </p:spPr>
-        <p:txBody>
-          <a:bodyPr wrap="square" rtlCol="0">
-            <a:spAutoFit/>
-          </a:bodyPr>
-          <a:lstStyle/>
-          <a:p>
-            <a:r>
-              <a:rPr lang="en-US" sz="3200" b="1" dirty="0">
-                <a:latin typeface="Times New Roman" panose="02020603050405020304" pitchFamily="18" charset="0"/>
-                <a:cs typeface="Times New Roman" panose="02020603050405020304" pitchFamily="18" charset="0"/>
-              </a:rPr>
-              <a:t>There are two main approaches for ALPR:</a:t>
-            </a:r>
-          </a:p>
-        </p:txBody>
-      </p:sp>
-      <p:sp>
-        <p:nvSpPr>
-          <p:cNvPr id="8" name="Rectangle 7">
-            <a:extLst>
-              <a:ext uri="{FF2B5EF4-FFF2-40B4-BE49-F238E27FC236}">
-                <a16:creationId xmlns:a16="http://schemas.microsoft.com/office/drawing/2014/main" id="{50D58013-8E37-4B32-A502-A7093947FB96}"/>
-              </a:ext>
-            </a:extLst>
-          </p:cNvPr>
-          <p:cNvSpPr/>
-          <p:nvPr/>
-        </p:nvSpPr>
-        <p:spPr>
-          <a:xfrm>
-            <a:off x="400050" y="1917289"/>
-            <a:ext cx="11125200" cy="3206327"/>
-          </a:xfrm>
-          <a:prstGeom prst="rect">
-            <a:avLst/>
-          </a:prstGeom>
-        </p:spPr>
-        <p:txBody>
-          <a:bodyPr wrap="square">
-            <a:spAutoFit/>
-          </a:bodyPr>
-          <a:lstStyle/>
-          <a:p>
-            <a:pPr marL="457200" indent="-457200" algn="just">
-              <a:lnSpc>
-                <a:spcPct val="150000"/>
-              </a:lnSpc>
-              <a:spcAft>
-                <a:spcPts val="800"/>
-              </a:spcAft>
-              <a:buFont typeface="+mj-lt"/>
-              <a:buAutoNum type="arabicPeriod"/>
-            </a:pPr>
-            <a:r>
-              <a:rPr lang="en-US" sz="2400" dirty="0">
-                <a:latin typeface="Times New Roman" panose="02020603050405020304" pitchFamily="18" charset="0"/>
-                <a:cs typeface="Times New Roman" panose="02020603050405020304" pitchFamily="18" charset="0"/>
-              </a:rPr>
-              <a:t>Multi-stage license plate recognition systems.</a:t>
-            </a:r>
-          </a:p>
-          <a:p>
-            <a:pPr marL="800100" lvl="1" indent="-342900" algn="just">
-              <a:lnSpc>
-                <a:spcPct val="150000"/>
-              </a:lnSpc>
-              <a:spcAft>
-                <a:spcPts val="800"/>
-              </a:spcAft>
-              <a:buFont typeface="Arial" panose="020B0604020202020204" pitchFamily="34" charset="0"/>
-              <a:buChar char="•"/>
-            </a:pPr>
-            <a:r>
-              <a:rPr lang="en-US" sz="2400" dirty="0">
-                <a:latin typeface="Times New Roman" panose="02020603050405020304" pitchFamily="18" charset="0"/>
-                <a:cs typeface="Times New Roman" panose="02020603050405020304" pitchFamily="18" charset="0"/>
-              </a:rPr>
-              <a:t>License plate detection: traditional image processing techniques, CNN.</a:t>
-            </a:r>
-          </a:p>
-          <a:p>
-            <a:pPr marL="800100" lvl="1" indent="-342900" algn="just">
-              <a:lnSpc>
-                <a:spcPct val="150000"/>
-              </a:lnSpc>
-              <a:spcAft>
-                <a:spcPts val="800"/>
-              </a:spcAft>
-              <a:buFont typeface="Arial" panose="020B0604020202020204" pitchFamily="34" charset="0"/>
-              <a:buChar char="•"/>
-            </a:pPr>
-            <a:r>
-              <a:rPr lang="en-US" sz="2400" dirty="0">
-                <a:latin typeface="Times New Roman" panose="02020603050405020304" pitchFamily="18" charset="0"/>
-                <a:cs typeface="Times New Roman" panose="02020603050405020304" pitchFamily="18" charset="0"/>
-              </a:rPr>
-              <a:t>LP OCR: segmentation-based and segmentation-free approaches.</a:t>
-            </a:r>
-          </a:p>
-          <a:p>
-            <a:pPr marL="457200" indent="-457200" algn="just">
-              <a:lnSpc>
-                <a:spcPct val="150000"/>
-              </a:lnSpc>
-              <a:spcAft>
-                <a:spcPts val="800"/>
-              </a:spcAft>
-              <a:buFont typeface="+mj-lt"/>
-              <a:buAutoNum type="arabicPeriod"/>
-            </a:pPr>
-            <a:r>
-              <a:rPr lang="en-US" sz="2400" dirty="0">
-                <a:latin typeface="Times New Roman" panose="02020603050405020304" pitchFamily="18" charset="0"/>
-                <a:cs typeface="Times New Roman" panose="02020603050405020304" pitchFamily="18" charset="0"/>
-              </a:rPr>
-              <a:t>Single-stage LP recognition systems.</a:t>
-            </a:r>
-          </a:p>
-          <a:p>
-            <a:pPr marL="800100" lvl="1" indent="-342900" algn="just">
-              <a:lnSpc>
-                <a:spcPct val="150000"/>
-              </a:lnSpc>
-              <a:spcAft>
-                <a:spcPts val="800"/>
-              </a:spcAft>
-              <a:buFont typeface="Arial" panose="020B0604020202020204" pitchFamily="34" charset="0"/>
-              <a:buChar char="•"/>
-            </a:pPr>
-            <a:r>
-              <a:rPr lang="en-US" sz="2400" dirty="0">
-                <a:latin typeface="Times New Roman" panose="02020603050405020304" pitchFamily="18" charset="0"/>
-                <a:cs typeface="Times New Roman" panose="02020603050405020304" pitchFamily="18" charset="0"/>
-              </a:rPr>
-              <a:t>They design a complex neural network to do both LP detection and LP OCR tasks.</a:t>
-            </a:r>
-          </a:p>
-        </p:txBody>
-      </p:sp>
+        </p:grpSpPr>
+        <p:sp>
+          <p:nvSpPr>
+            <p:cNvPr id="6" name="TextBox 5">
+              <a:extLst>
+                <a:ext uri="{FF2B5EF4-FFF2-40B4-BE49-F238E27FC236}">
+                  <a16:creationId xmlns:a16="http://schemas.microsoft.com/office/drawing/2014/main" id="{89D5548C-0793-404B-B790-FEDB1E09AB20}"/>
+                </a:ext>
+              </a:extLst>
+            </p:cNvPr>
+            <p:cNvSpPr txBox="1"/>
+            <p:nvPr/>
+          </p:nvSpPr>
+          <p:spPr>
+            <a:xfrm>
+              <a:off x="400050" y="1332514"/>
+              <a:ext cx="8176367" cy="584775"/>
+            </a:xfrm>
+            <a:prstGeom prst="rect">
+              <a:avLst/>
+            </a:prstGeom>
+            <a:noFill/>
+          </p:spPr>
+          <p:txBody>
+            <a:bodyPr wrap="square" rtlCol="0">
+              <a:spAutoFit/>
+            </a:bodyPr>
+            <a:lstStyle/>
+            <a:p>
+              <a:r>
+                <a:rPr lang="en-US" sz="3200" b="1" dirty="0">
+                  <a:latin typeface="Times New Roman" panose="02020603050405020304" pitchFamily="18" charset="0"/>
+                  <a:cs typeface="Times New Roman" panose="02020603050405020304" pitchFamily="18" charset="0"/>
+                </a:rPr>
+                <a:t>There are two main approaches for ALPR:</a:t>
+              </a:r>
+            </a:p>
+          </p:txBody>
+        </p:sp>
+        <p:sp>
+          <p:nvSpPr>
+            <p:cNvPr id="8" name="Rectangle 7">
+              <a:extLst>
+                <a:ext uri="{FF2B5EF4-FFF2-40B4-BE49-F238E27FC236}">
+                  <a16:creationId xmlns:a16="http://schemas.microsoft.com/office/drawing/2014/main" id="{50D58013-8E37-4B32-A502-A7093947FB96}"/>
+                </a:ext>
+              </a:extLst>
+            </p:cNvPr>
+            <p:cNvSpPr/>
+            <p:nvPr/>
+          </p:nvSpPr>
+          <p:spPr>
+            <a:xfrm>
+              <a:off x="400050" y="1917289"/>
+              <a:ext cx="11125200" cy="3206327"/>
+            </a:xfrm>
+            <a:prstGeom prst="rect">
+              <a:avLst/>
+            </a:prstGeom>
+          </p:spPr>
+          <p:txBody>
+            <a:bodyPr wrap="square">
+              <a:spAutoFit/>
+            </a:bodyPr>
+            <a:lstStyle/>
+            <a:p>
+              <a:pPr marL="457200" indent="-457200" algn="just">
+                <a:lnSpc>
+                  <a:spcPct val="150000"/>
+                </a:lnSpc>
+                <a:spcAft>
+                  <a:spcPts val="800"/>
+                </a:spcAft>
+                <a:buFont typeface="+mj-lt"/>
+                <a:buAutoNum type="arabicPeriod"/>
+              </a:pPr>
+              <a:r>
+                <a:rPr lang="en-US" sz="2400" dirty="0">
+                  <a:latin typeface="Times New Roman" panose="02020603050405020304" pitchFamily="18" charset="0"/>
+                  <a:cs typeface="Times New Roman" panose="02020603050405020304" pitchFamily="18" charset="0"/>
+                </a:rPr>
+                <a:t>Multi-stage license plate recognition systems.</a:t>
+              </a:r>
+            </a:p>
+            <a:p>
+              <a:pPr marL="800100" lvl="1" indent="-342900" algn="just">
+                <a:lnSpc>
+                  <a:spcPct val="150000"/>
+                </a:lnSpc>
+                <a:spcAft>
+                  <a:spcPts val="800"/>
+                </a:spcAft>
+                <a:buFont typeface="Arial" panose="020B0604020202020204" pitchFamily="34" charset="0"/>
+                <a:buChar char="•"/>
+              </a:pPr>
+              <a:r>
+                <a:rPr lang="en-US" sz="2400" dirty="0">
+                  <a:latin typeface="Times New Roman" panose="02020603050405020304" pitchFamily="18" charset="0"/>
+                  <a:cs typeface="Times New Roman" panose="02020603050405020304" pitchFamily="18" charset="0"/>
+                </a:rPr>
+                <a:t>License plate detection: traditional image processing techniques, CNN.</a:t>
+              </a:r>
+            </a:p>
+            <a:p>
+              <a:pPr marL="800100" lvl="1" indent="-342900" algn="just">
+                <a:lnSpc>
+                  <a:spcPct val="150000"/>
+                </a:lnSpc>
+                <a:spcAft>
+                  <a:spcPts val="800"/>
+                </a:spcAft>
+                <a:buFont typeface="Arial" panose="020B0604020202020204" pitchFamily="34" charset="0"/>
+                <a:buChar char="•"/>
+              </a:pPr>
+              <a:r>
+                <a:rPr lang="en-US" sz="2400" dirty="0">
+                  <a:latin typeface="Times New Roman" panose="02020603050405020304" pitchFamily="18" charset="0"/>
+                  <a:cs typeface="Times New Roman" panose="02020603050405020304" pitchFamily="18" charset="0"/>
+                </a:rPr>
+                <a:t>LP OCR: segmentation-based and segmentation-free approaches.</a:t>
+              </a:r>
+            </a:p>
+            <a:p>
+              <a:pPr marL="457200" indent="-457200" algn="just">
+                <a:lnSpc>
+                  <a:spcPct val="150000"/>
+                </a:lnSpc>
+                <a:spcAft>
+                  <a:spcPts val="800"/>
+                </a:spcAft>
+                <a:buFont typeface="+mj-lt"/>
+                <a:buAutoNum type="arabicPeriod"/>
+              </a:pPr>
+              <a:r>
+                <a:rPr lang="en-US" sz="2400" dirty="0">
+                  <a:latin typeface="Times New Roman" panose="02020603050405020304" pitchFamily="18" charset="0"/>
+                  <a:cs typeface="Times New Roman" panose="02020603050405020304" pitchFamily="18" charset="0"/>
+                </a:rPr>
+                <a:t>Single-stage LP recognition systems.</a:t>
+              </a:r>
+            </a:p>
+            <a:p>
+              <a:pPr marL="800100" lvl="1" indent="-342900" algn="just">
+                <a:lnSpc>
+                  <a:spcPct val="150000"/>
+                </a:lnSpc>
+                <a:spcAft>
+                  <a:spcPts val="800"/>
+                </a:spcAft>
+                <a:buFont typeface="Arial" panose="020B0604020202020204" pitchFamily="34" charset="0"/>
+                <a:buChar char="•"/>
+              </a:pPr>
+              <a:r>
+                <a:rPr lang="en-US" sz="2400" dirty="0">
+                  <a:latin typeface="Times New Roman" panose="02020603050405020304" pitchFamily="18" charset="0"/>
+                  <a:cs typeface="Times New Roman" panose="02020603050405020304" pitchFamily="18" charset="0"/>
+                </a:rPr>
+                <a:t>They design a complex neural network to do both LP detection and LP OCR tasks.</a:t>
+              </a:r>
+            </a:p>
+          </p:txBody>
+        </p:sp>
+      </p:grpSp>
       <p:sp>
         <p:nvSpPr>
           <p:cNvPr id="14" name="Arrow: Pentagon 13">
@@ -13287,7 +13739,6 @@
           <a:bodyPr rtlCol="0" anchor="ctr"/>
           <a:lstStyle/>
           <a:p>
-            <a:pPr algn="ctr"/>
             <a:r>
               <a:rPr lang="en-US" sz="3200" cap="all" dirty="0">
                 <a:solidFill>
@@ -13297,15 +13748,12 @@
                 <a:ea typeface="+mj-ea"/>
                 <a:cs typeface="Times New Roman" panose="02020603050405020304" pitchFamily="18" charset="0"/>
               </a:rPr>
-              <a:t>Related work </a:t>
-            </a:r>
-            <a:r>
-              <a:rPr lang="en-US" sz="3200" dirty="0">
-                <a:latin typeface="Times New Roman" panose="02020603050405020304" pitchFamily="18" charset="0"/>
-                <a:cs typeface="Times New Roman" panose="02020603050405020304" pitchFamily="18" charset="0"/>
-              </a:rPr>
-              <a:t>(1/2)</a:t>
-            </a:r>
+              <a:t>Related work - APPROACHES</a:t>
+            </a:r>
+            <a:endParaRPr lang="en-US" sz="3200" dirty="0">
+              <a:latin typeface="Times New Roman" panose="02020603050405020304" pitchFamily="18" charset="0"/>
+              <a:cs typeface="Times New Roman" panose="02020603050405020304" pitchFamily="18" charset="0"/>
+            </a:endParaRPr>
           </a:p>
         </p:txBody>
       </p:sp>
@@ -13460,7 +13908,6 @@
           <a:bodyPr rtlCol="0" anchor="ctr"/>
           <a:lstStyle/>
           <a:p>
-            <a:pPr algn="ctr"/>
             <a:r>
               <a:rPr lang="en-US" sz="3200" cap="all" dirty="0">
                 <a:solidFill>
@@ -13470,15 +13917,12 @@
                 <a:ea typeface="+mj-ea"/>
                 <a:cs typeface="Times New Roman" panose="02020603050405020304" pitchFamily="18" charset="0"/>
               </a:rPr>
-              <a:t>Related work </a:t>
-            </a:r>
-            <a:r>
-              <a:rPr lang="en-US" sz="3200" dirty="0">
-                <a:latin typeface="Times New Roman" panose="02020603050405020304" pitchFamily="18" charset="0"/>
-                <a:cs typeface="Times New Roman" panose="02020603050405020304" pitchFamily="18" charset="0"/>
-              </a:rPr>
-              <a:t>(2/2)</a:t>
-            </a:r>
+              <a:t>Related work – multi-stage</a:t>
+            </a:r>
+            <a:endParaRPr lang="en-US" sz="3200" dirty="0">
+              <a:latin typeface="Times New Roman" panose="02020603050405020304" pitchFamily="18" charset="0"/>
+              <a:cs typeface="Times New Roman" panose="02020603050405020304" pitchFamily="18" charset="0"/>
+            </a:endParaRPr>
           </a:p>
         </p:txBody>
       </p:sp>
@@ -14207,14 +14651,14 @@
 <file path=customXml/itemProps2.xml><?xml version="1.0" encoding="utf-8"?>
 <ds:datastoreItem xmlns:ds="http://schemas.openxmlformats.org/officeDocument/2006/customXml" ds:itemID="{C950404A-AD0A-475C-9436-C90635CF5D88}">
   <ds:schemaRefs>
-    <ds:schemaRef ds:uri="http://schemas.microsoft.com/office/2006/metadata/properties"/>
-    <ds:schemaRef ds:uri="http://schemas.openxmlformats.org/package/2006/metadata/core-properties"/>
-    <ds:schemaRef ds:uri="http://purl.org/dc/elements/1.1/"/>
-    <ds:schemaRef ds:uri="2f1b307e-2cd0-495d-9123-e7ba309354b1"/>
-    <ds:schemaRef ds:uri="http://purl.org/dc/terms/"/>
-    <ds:schemaRef ds:uri="http://schemas.microsoft.com/office/2006/documentManagement/types"/>
     <ds:schemaRef ds:uri="http://purl.org/dc/dcmitype/"/>
     <ds:schemaRef ds:uri="http://schemas.microsoft.com/office/infopath/2007/PartnerControls"/>
+    <ds:schemaRef ds:uri="http://purl.org/dc/elements/1.1/"/>
+    <ds:schemaRef ds:uri="http://schemas.microsoft.com/office/2006/metadata/properties"/>
+    <ds:schemaRef ds:uri="http://schemas.microsoft.com/office/2006/documentManagement/types"/>
+    <ds:schemaRef ds:uri="http://purl.org/dc/terms/"/>
+    <ds:schemaRef ds:uri="http://schemas.openxmlformats.org/package/2006/metadata/core-properties"/>
+    <ds:schemaRef ds:uri="2f1b307e-2cd0-495d-9123-e7ba309354b1"/>
     <ds:schemaRef ds:uri="http://www.w3.org/XML/1998/namespace"/>
   </ds:schemaRefs>
 </ds:datastoreItem>
